--- a/geo0940_PostGIS_QGIS_TM_DWD_Prec/PostGIS_QGIS_TimeManager.pptx
+++ b/geo0940_PostGIS_QGIS_TM_DWD_Prec/PostGIS_QGIS_TimeManager.pptx
@@ -5,10 +5,13 @@
     <p:sldMasterId id="2147483648" r:id="rId1"/>
   </p:sldMasterIdLst>
   <p:sldIdLst>
-    <p:sldId id="256" r:id="rId2"/>
-    <p:sldId id="259" r:id="rId3"/>
-    <p:sldId id="258" r:id="rId4"/>
-    <p:sldId id="260" r:id="rId5"/>
+    <p:sldId id="262" r:id="rId2"/>
+    <p:sldId id="263" r:id="rId3"/>
+    <p:sldId id="264" r:id="rId4"/>
+    <p:sldId id="259" r:id="rId5"/>
+    <p:sldId id="261" r:id="rId6"/>
+    <p:sldId id="258" r:id="rId7"/>
+    <p:sldId id="260" r:id="rId8"/>
   </p:sldIdLst>
   <p:sldSz cx="12192000" cy="6858000"/>
   <p:notesSz cx="6858000" cy="9144000"/>
@@ -257,7 +260,7 @@
           <a:p>
             <a:fld id="{D00C80B1-8C02-4B43-BAD1-02923898AF93}" type="datetimeFigureOut">
               <a:rPr lang="en-US" smtClean="0"/>
-              <a:t>2/2/2021</a:t>
+              <a:t>2/11/2021</a:t>
             </a:fld>
             <a:endParaRPr lang="en-US"/>
           </a:p>
@@ -315,6 +318,13 @@
   <p:clrMapOvr>
     <a:masterClrMapping/>
   </p:clrMapOvr>
+  <p:timing>
+    <p:tnLst>
+      <p:par>
+        <p:cTn id="1" dur="indefinite" restart="never" nodeType="tmRoot"/>
+      </p:par>
+    </p:tnLst>
+  </p:timing>
 </p:sldLayout>
 </file>
 
@@ -427,7 +437,7 @@
           <a:p>
             <a:fld id="{D00C80B1-8C02-4B43-BAD1-02923898AF93}" type="datetimeFigureOut">
               <a:rPr lang="en-US" smtClean="0"/>
-              <a:t>2/2/2021</a:t>
+              <a:t>2/11/2021</a:t>
             </a:fld>
             <a:endParaRPr lang="en-US"/>
           </a:p>
@@ -607,7 +617,7 @@
           <a:p>
             <a:fld id="{D00C80B1-8C02-4B43-BAD1-02923898AF93}" type="datetimeFigureOut">
               <a:rPr lang="en-US" smtClean="0"/>
-              <a:t>2/2/2021</a:t>
+              <a:t>2/11/2021</a:t>
             </a:fld>
             <a:endParaRPr lang="en-US"/>
           </a:p>
@@ -777,7 +787,7 @@
           <a:p>
             <a:fld id="{D00C80B1-8C02-4B43-BAD1-02923898AF93}" type="datetimeFigureOut">
               <a:rPr lang="en-US" smtClean="0"/>
-              <a:t>2/2/2021</a:t>
+              <a:t>2/11/2021</a:t>
             </a:fld>
             <a:endParaRPr lang="en-US"/>
           </a:p>
@@ -1023,7 +1033,7 @@
           <a:p>
             <a:fld id="{D00C80B1-8C02-4B43-BAD1-02923898AF93}" type="datetimeFigureOut">
               <a:rPr lang="en-US" smtClean="0"/>
-              <a:t>2/2/2021</a:t>
+              <a:t>2/11/2021</a:t>
             </a:fld>
             <a:endParaRPr lang="en-US"/>
           </a:p>
@@ -1255,7 +1265,7 @@
           <a:p>
             <a:fld id="{D00C80B1-8C02-4B43-BAD1-02923898AF93}" type="datetimeFigureOut">
               <a:rPr lang="en-US" smtClean="0"/>
-              <a:t>2/2/2021</a:t>
+              <a:t>2/11/2021</a:t>
             </a:fld>
             <a:endParaRPr lang="en-US"/>
           </a:p>
@@ -1622,7 +1632,7 @@
           <a:p>
             <a:fld id="{D00C80B1-8C02-4B43-BAD1-02923898AF93}" type="datetimeFigureOut">
               <a:rPr lang="en-US" smtClean="0"/>
-              <a:t>2/2/2021</a:t>
+              <a:t>2/11/2021</a:t>
             </a:fld>
             <a:endParaRPr lang="en-US"/>
           </a:p>
@@ -1740,7 +1750,7 @@
           <a:p>
             <a:fld id="{D00C80B1-8C02-4B43-BAD1-02923898AF93}" type="datetimeFigureOut">
               <a:rPr lang="en-US" smtClean="0"/>
-              <a:t>2/2/2021</a:t>
+              <a:t>2/11/2021</a:t>
             </a:fld>
             <a:endParaRPr lang="en-US"/>
           </a:p>
@@ -1835,7 +1845,7 @@
           <a:p>
             <a:fld id="{D00C80B1-8C02-4B43-BAD1-02923898AF93}" type="datetimeFigureOut">
               <a:rPr lang="en-US" smtClean="0"/>
-              <a:t>2/2/2021</a:t>
+              <a:t>2/11/2021</a:t>
             </a:fld>
             <a:endParaRPr lang="en-US"/>
           </a:p>
@@ -2112,7 +2122,7 @@
           <a:p>
             <a:fld id="{D00C80B1-8C02-4B43-BAD1-02923898AF93}" type="datetimeFigureOut">
               <a:rPr lang="en-US" smtClean="0"/>
-              <a:t>2/2/2021</a:t>
+              <a:t>2/11/2021</a:t>
             </a:fld>
             <a:endParaRPr lang="en-US"/>
           </a:p>
@@ -2365,7 +2375,7 @@
           <a:p>
             <a:fld id="{D00C80B1-8C02-4B43-BAD1-02923898AF93}" type="datetimeFigureOut">
               <a:rPr lang="en-US" smtClean="0"/>
-              <a:t>2/2/2021</a:t>
+              <a:t>2/11/2021</a:t>
             </a:fld>
             <a:endParaRPr lang="en-US"/>
           </a:p>
@@ -2508,38 +2518,38 @@
           <a:p>
             <a:pPr lvl="0"/>
             <a:r>
-              <a:rPr lang="de-DE" smtClean="0"/>
+              <a:rPr lang="de-DE" dirty="0" smtClean="0"/>
               <a:t>Textmasterformat bearbeiten</a:t>
             </a:r>
           </a:p>
           <a:p>
             <a:pPr lvl="1"/>
             <a:r>
-              <a:rPr lang="de-DE" smtClean="0"/>
+              <a:rPr lang="de-DE" dirty="0" smtClean="0"/>
               <a:t>Zweite Ebene</a:t>
             </a:r>
           </a:p>
           <a:p>
             <a:pPr lvl="2"/>
             <a:r>
-              <a:rPr lang="de-DE" smtClean="0"/>
+              <a:rPr lang="de-DE" dirty="0" smtClean="0"/>
               <a:t>Dritte Ebene</a:t>
             </a:r>
           </a:p>
           <a:p>
             <a:pPr lvl="3"/>
             <a:r>
-              <a:rPr lang="de-DE" smtClean="0"/>
+              <a:rPr lang="de-DE" dirty="0" smtClean="0"/>
               <a:t>Vierte Ebene</a:t>
             </a:r>
           </a:p>
           <a:p>
             <a:pPr lvl="4"/>
             <a:r>
-              <a:rPr lang="de-DE" smtClean="0"/>
+              <a:rPr lang="de-DE" dirty="0" smtClean="0"/>
               <a:t>Fünfte Ebene</a:t>
             </a:r>
-            <a:endParaRPr lang="en-US"/>
+            <a:endParaRPr lang="en-US" dirty="0"/>
           </a:p>
         </p:txBody>
       </p:sp>
@@ -2578,7 +2588,7 @@
           <a:p>
             <a:fld id="{D00C80B1-8C02-4B43-BAD1-02923898AF93}" type="datetimeFigureOut">
               <a:rPr lang="en-US" smtClean="0"/>
-              <a:t>2/2/2021</a:t>
+              <a:t>2/11/2021</a:t>
             </a:fld>
             <a:endParaRPr lang="en-US"/>
           </a:p>
@@ -2683,6 +2693,13 @@
     <p:sldLayoutId id="2147483658" r:id="rId10"/>
     <p:sldLayoutId id="2147483659" r:id="rId11"/>
   </p:sldLayoutIdLst>
+  <p:timing>
+    <p:tnLst>
+      <p:par>
+        <p:cTn id="1" dur="indefinite" restart="never" nodeType="tmRoot"/>
+      </p:par>
+    </p:tnLst>
+  </p:timing>
   <p:txStyles>
     <p:titleStyle>
       <a:lvl1pPr algn="l" defTabSz="914400" rtl="0" eaLnBrk="1" latinLnBrk="0" hangingPunct="1">
@@ -2693,7 +2710,7 @@
           <a:spcPct val="0"/>
         </a:spcBef>
         <a:buNone/>
-        <a:defRPr sz="4400" kern="1200">
+        <a:defRPr sz="3600" kern="1200">
           <a:solidFill>
             <a:schemeClr val="tx1"/>
           </a:solidFill>
@@ -2731,7 +2748,7 @@
         </a:spcBef>
         <a:buFont typeface="Arial" panose="020B0604020202020204" pitchFamily="34" charset="0"/>
         <a:buChar char="•"/>
-        <a:defRPr sz="2400" kern="1200">
+        <a:defRPr sz="2800" kern="1200">
           <a:solidFill>
             <a:schemeClr val="tx1"/>
           </a:solidFill>
@@ -2749,7 +2766,7 @@
         </a:spcBef>
         <a:buFont typeface="Arial" panose="020B0604020202020204" pitchFamily="34" charset="0"/>
         <a:buChar char="•"/>
-        <a:defRPr sz="2000" kern="1200">
+        <a:defRPr sz="2800" kern="1200">
           <a:solidFill>
             <a:schemeClr val="tx1"/>
           </a:solidFill>
@@ -2767,7 +2784,7 @@
         </a:spcBef>
         <a:buFont typeface="Arial" panose="020B0604020202020204" pitchFamily="34" charset="0"/>
         <a:buChar char="•"/>
-        <a:defRPr sz="1800" kern="1200">
+        <a:defRPr sz="2800" kern="1200">
           <a:solidFill>
             <a:schemeClr val="tx1"/>
           </a:solidFill>
@@ -2785,7 +2802,7 @@
         </a:spcBef>
         <a:buFont typeface="Arial" panose="020B0604020202020204" pitchFamily="34" charset="0"/>
         <a:buChar char="•"/>
-        <a:defRPr sz="1800" kern="1200">
+        <a:defRPr sz="2800" kern="1200">
           <a:solidFill>
             <a:schemeClr val="tx1"/>
           </a:solidFill>
@@ -2993,56 +3010,119 @@
             <p:ph type="ctrTitle"/>
           </p:nvPr>
         </p:nvSpPr>
-        <p:spPr/>
-        <p:txBody>
-          <a:bodyPr/>
-          <a:lstStyle/>
-          <a:p>
-            <a:r>
-              <a:rPr lang="de-DE" dirty="0" smtClean="0"/>
+        <p:spPr>
+          <a:xfrm>
+            <a:off x="321733" y="1122363"/>
+            <a:ext cx="11599334" cy="2387600"/>
+          </a:xfrm>
+        </p:spPr>
+        <p:txBody>
+          <a:bodyPr>
+            <a:normAutofit/>
+          </a:bodyPr>
+          <a:lstStyle/>
+          <a:p>
+            <a:r>
+              <a:rPr lang="de-DE" sz="4400" dirty="0" smtClean="0"/>
               <a:t>Geo-</a:t>
             </a:r>
             <a:r>
-              <a:rPr lang="de-DE" dirty="0" err="1" smtClean="0"/>
+              <a:rPr lang="de-DE" sz="4400" dirty="0" err="1" smtClean="0"/>
               <a:t>Spatiotemporal</a:t>
             </a:r>
             <a:r>
-              <a:rPr lang="de-DE" dirty="0" smtClean="0"/>
-              <a:t> Data Management</a:t>
+              <a:rPr lang="de-DE" sz="4400" dirty="0" smtClean="0"/>
+              <a:t> Data Management </a:t>
+            </a:r>
+            <a:br>
+              <a:rPr lang="de-DE" sz="4400" dirty="0" smtClean="0"/>
+            </a:br>
+            <a:r>
+              <a:rPr lang="de-DE" sz="4400" dirty="0" smtClean="0"/>
+              <a:t>– DWD </a:t>
+            </a:r>
+            <a:r>
+              <a:rPr lang="de-DE" sz="4400" dirty="0"/>
+              <a:t>Data in </a:t>
+            </a:r>
+            <a:r>
+              <a:rPr lang="de-DE" sz="4400" dirty="0" err="1" smtClean="0"/>
+              <a:t>PostGIS</a:t>
+            </a:r>
+            <a:r>
+              <a:rPr lang="de-DE" sz="4400" dirty="0" smtClean="0"/>
+              <a:t>/QGIS </a:t>
+            </a:r>
+            <a:r>
+              <a:rPr lang="de-DE" sz="4400" dirty="0"/>
+              <a:t>– </a:t>
+            </a:r>
+            <a:endParaRPr lang="en-US" sz="4400" dirty="0"/>
+          </a:p>
+        </p:txBody>
+      </p:sp>
+      <p:sp>
+        <p:nvSpPr>
+          <p:cNvPr id="3" name="Untertitel 2"/>
+          <p:cNvSpPr>
+            <a:spLocks noGrp="1"/>
+          </p:cNvSpPr>
+          <p:nvPr>
+            <p:ph type="subTitle" idx="1"/>
+          </p:nvPr>
+        </p:nvSpPr>
+        <p:spPr>
+          <a:xfrm>
+            <a:off x="1524000" y="3843866"/>
+            <a:ext cx="9144000" cy="1413933"/>
+          </a:xfrm>
+        </p:spPr>
+        <p:txBody>
+          <a:bodyPr/>
+          <a:lstStyle/>
+          <a:p>
+            <a:r>
+              <a:rPr lang="de-DE" dirty="0" smtClean="0"/>
+              <a:t>Rolf Becker</a:t>
+            </a:r>
+          </a:p>
+          <a:p>
+            <a:r>
+              <a:rPr lang="de-DE" dirty="0" smtClean="0"/>
+              <a:t>Hochschule </a:t>
+            </a:r>
+            <a:r>
+              <a:rPr lang="de-DE" dirty="0" smtClean="0"/>
+              <a:t>Rhein-Waal (HSRW)</a:t>
+            </a:r>
+            <a:endParaRPr lang="de-DE" dirty="0" smtClean="0"/>
+          </a:p>
+          <a:p>
+            <a:r>
+              <a:rPr lang="de-DE" dirty="0" smtClean="0"/>
+              <a:t>2021-02-11</a:t>
             </a:r>
             <a:endParaRPr lang="en-US" dirty="0"/>
-          </a:p>
-        </p:txBody>
-      </p:sp>
-      <p:sp>
-        <p:nvSpPr>
-          <p:cNvPr id="3" name="Untertitel 2"/>
-          <p:cNvSpPr>
-            <a:spLocks noGrp="1"/>
-          </p:cNvSpPr>
-          <p:nvPr>
-            <p:ph type="subTitle" idx="1"/>
-          </p:nvPr>
-        </p:nvSpPr>
-        <p:spPr/>
-        <p:txBody>
-          <a:bodyPr/>
-          <a:lstStyle/>
-          <a:p>
-            <a:endParaRPr lang="en-US"/>
           </a:p>
         </p:txBody>
       </p:sp>
     </p:spTree>
     <p:extLst>
       <p:ext uri="{BB962C8B-B14F-4D97-AF65-F5344CB8AC3E}">
-        <p14:creationId xmlns:p14="http://schemas.microsoft.com/office/powerpoint/2010/main" val="3711477451"/>
+        <p14:creationId xmlns:p14="http://schemas.microsoft.com/office/powerpoint/2010/main" val="638935676"/>
       </p:ext>
     </p:extLst>
   </p:cSld>
   <p:clrMapOvr>
     <a:masterClrMapping/>
   </p:clrMapOvr>
+  <p:timing>
+    <p:tnLst>
+      <p:par>
+        <p:cTn id="1" dur="indefinite" restart="never" nodeType="tmRoot"/>
+      </p:par>
+    </p:tnLst>
+  </p:timing>
 </p:sld>
 </file>
 
@@ -3079,8 +3159,16 @@
           <a:lstStyle/>
           <a:p>
             <a:r>
-              <a:rPr lang="de-DE" dirty="0" smtClean="0"/>
-              <a:t>Open Source Tools</a:t>
+              <a:rPr lang="de-DE" dirty="0" err="1" smtClean="0"/>
+              <a:t>Git</a:t>
+            </a:r>
+            <a:r>
+              <a:rPr lang="de-DE" dirty="0" smtClean="0"/>
+              <a:t> Repository: </a:t>
+            </a:r>
+            <a:r>
+              <a:rPr lang="de-DE" dirty="0" err="1" smtClean="0"/>
+              <a:t>opengeo</a:t>
             </a:r>
             <a:endParaRPr lang="en-US" dirty="0"/>
           </a:p>
@@ -3096,290 +3184,183 @@
             <p:ph idx="1"/>
           </p:nvPr>
         </p:nvSpPr>
-        <p:spPr/>
-        <p:txBody>
-          <a:bodyPr/>
-          <a:lstStyle/>
-          <a:p>
+        <p:spPr>
+          <a:xfrm>
+            <a:off x="838200" y="1825624"/>
+            <a:ext cx="10515600" cy="4800027"/>
+          </a:xfrm>
+        </p:spPr>
+        <p:txBody>
+          <a:bodyPr>
+            <a:noAutofit/>
+          </a:bodyPr>
+          <a:lstStyle/>
+          <a:p>
+            <a:r>
+              <a:rPr lang="en-US" dirty="0">
+                <a:hlinkClick r:id="rId2"/>
+              </a:rPr>
+              <a:t>https://</a:t>
+            </a:r>
+            <a:r>
+              <a:rPr lang="en-US" dirty="0" smtClean="0">
+                <a:hlinkClick r:id="rId2"/>
+              </a:rPr>
+              <a:t>github.com/rolfbecker/opengeo</a:t>
+            </a:r>
+            <a:endParaRPr lang="en-US" dirty="0" smtClean="0"/>
+          </a:p>
+          <a:p>
+            <a:endParaRPr lang="de-DE" dirty="0"/>
+          </a:p>
+          <a:p>
+            <a:r>
+              <a:rPr lang="de-DE" dirty="0" err="1" smtClean="0"/>
+              <a:t>Mainly</a:t>
+            </a:r>
+            <a:r>
+              <a:rPr lang="de-DE" dirty="0" smtClean="0"/>
+              <a:t> </a:t>
+            </a:r>
+            <a:r>
+              <a:rPr lang="de-DE" dirty="0" err="1" smtClean="0"/>
+              <a:t>related</a:t>
+            </a:r>
+            <a:r>
+              <a:rPr lang="de-DE" dirty="0" smtClean="0"/>
+              <a:t> </a:t>
+            </a:r>
+            <a:r>
+              <a:rPr lang="de-DE" dirty="0" err="1" smtClean="0"/>
+              <a:t>to</a:t>
+            </a:r>
+            <a:r>
+              <a:rPr lang="de-DE" dirty="0" smtClean="0"/>
+              <a:t> </a:t>
+            </a:r>
+            <a:r>
+              <a:rPr lang="de-DE" dirty="0" err="1" smtClean="0"/>
+              <a:t>activity</a:t>
+            </a:r>
+            <a:r>
+              <a:rPr lang="de-DE" dirty="0" smtClean="0"/>
+              <a:t> (</a:t>
+            </a:r>
+            <a:r>
+              <a:rPr lang="de-DE" dirty="0" err="1" smtClean="0"/>
+              <a:t>folder</a:t>
+            </a:r>
+            <a:r>
+              <a:rPr lang="de-DE" dirty="0"/>
+              <a:t>) </a:t>
+            </a:r>
+            <a:r>
+              <a:rPr lang="de-DE" b="1" dirty="0" smtClean="0"/>
+              <a:t>geo0930… </a:t>
+            </a:r>
+            <a:r>
+              <a:rPr lang="de-DE" dirty="0" smtClean="0"/>
+              <a:t>(geo0930_PostgreSQL_Insert_DWD_Prec_TS)</a:t>
+            </a:r>
+          </a:p>
+          <a:p>
+            <a:endParaRPr lang="de-DE" dirty="0"/>
+          </a:p>
+          <a:p>
+            <a:r>
+              <a:rPr lang="de-DE" dirty="0" err="1" smtClean="0"/>
+              <a:t>Prerequisites</a:t>
+            </a:r>
+            <a:r>
+              <a:rPr lang="de-DE" dirty="0" smtClean="0"/>
+              <a:t>: </a:t>
+            </a:r>
+          </a:p>
+          <a:p>
+            <a:pPr lvl="1"/>
+            <a:r>
+              <a:rPr lang="de-DE" dirty="0"/>
+              <a:t>Python3 / </a:t>
+            </a:r>
+            <a:r>
+              <a:rPr lang="de-DE" dirty="0" err="1"/>
+              <a:t>Jupyter</a:t>
+            </a:r>
+            <a:r>
+              <a:rPr lang="de-DE" dirty="0"/>
+              <a:t>-Lab (</a:t>
+            </a:r>
+            <a:r>
+              <a:rPr lang="de-DE" dirty="0" err="1"/>
+              <a:t>Anaconda</a:t>
+            </a:r>
+            <a:r>
+              <a:rPr lang="de-DE" dirty="0"/>
+              <a:t>), </a:t>
+            </a:r>
+            <a:br>
+              <a:rPr lang="de-DE" dirty="0"/>
+            </a:br>
+            <a:r>
+              <a:rPr lang="de-DE" dirty="0"/>
+              <a:t>Pandas, Geopandas, </a:t>
+            </a:r>
+            <a:r>
+              <a:rPr lang="de-DE" dirty="0" err="1"/>
+              <a:t>SQLAlchemy</a:t>
+            </a:r>
+            <a:r>
+              <a:rPr lang="de-DE" dirty="0"/>
+              <a:t>, ...</a:t>
+            </a:r>
+            <a:endParaRPr lang="en-US" dirty="0"/>
+          </a:p>
+          <a:p>
+            <a:pPr lvl="1"/>
             <a:r>
               <a:rPr lang="de-DE" dirty="0" err="1" smtClean="0"/>
               <a:t>PostgreSQL</a:t>
             </a:r>
             <a:r>
+              <a:rPr lang="de-DE" dirty="0" smtClean="0"/>
+              <a:t>, pgAdmin4, </a:t>
+            </a:r>
+            <a:r>
+              <a:rPr lang="de-DE" dirty="0" err="1" smtClean="0"/>
+              <a:t>PostGIS</a:t>
+            </a:r>
+            <a:endParaRPr lang="de-DE" dirty="0" smtClean="0"/>
+          </a:p>
+          <a:p>
+            <a:pPr lvl="1"/>
+            <a:r>
               <a:rPr lang="de-DE" dirty="0"/>
-              <a:t> </a:t>
-            </a:r>
-            <a:endParaRPr lang="de-DE" dirty="0" smtClean="0"/>
-          </a:p>
-          <a:p>
-            <a:pPr lvl="1"/>
-            <a:r>
-              <a:rPr lang="de-DE" dirty="0" smtClean="0"/>
-              <a:t>(</a:t>
-            </a:r>
-            <a:r>
-              <a:rPr lang="de-DE" dirty="0" err="1" smtClean="0"/>
-              <a:t>Object</a:t>
-            </a:r>
-            <a:r>
-              <a:rPr lang="de-DE" dirty="0" smtClean="0"/>
-              <a:t>-Relational DBMS)</a:t>
-            </a:r>
-          </a:p>
-          <a:p>
-            <a:r>
-              <a:rPr lang="de-DE" dirty="0" err="1" smtClean="0"/>
-              <a:t>PostGIS</a:t>
-            </a:r>
-            <a:r>
-              <a:rPr lang="de-DE" dirty="0" smtClean="0"/>
-              <a:t> </a:t>
-            </a:r>
-          </a:p>
-          <a:p>
-            <a:pPr lvl="1"/>
-            <a:r>
-              <a:rPr lang="de-DE" dirty="0" smtClean="0"/>
-              <a:t>(</a:t>
-            </a:r>
-            <a:r>
-              <a:rPr lang="de-DE" dirty="0" err="1" smtClean="0"/>
-              <a:t>Spatial</a:t>
-            </a:r>
-            <a:r>
-              <a:rPr lang="de-DE" dirty="0" smtClean="0"/>
-              <a:t> </a:t>
-            </a:r>
-            <a:r>
-              <a:rPr lang="de-DE" dirty="0" err="1" smtClean="0"/>
-              <a:t>extension</a:t>
-            </a:r>
-            <a:r>
-              <a:rPr lang="de-DE" dirty="0" smtClean="0"/>
-              <a:t>, </a:t>
-            </a:r>
-            <a:r>
-              <a:rPr lang="de-DE" dirty="0" err="1" smtClean="0"/>
-              <a:t>new</a:t>
-            </a:r>
-            <a:r>
-              <a:rPr lang="de-DE" dirty="0" smtClean="0"/>
-              <a:t> </a:t>
-            </a:r>
-            <a:r>
-              <a:rPr lang="de-DE" dirty="0" err="1" smtClean="0"/>
-              <a:t>geometric</a:t>
-            </a:r>
-            <a:r>
-              <a:rPr lang="de-DE" dirty="0" smtClean="0"/>
-              <a:t> </a:t>
-            </a:r>
-            <a:r>
-              <a:rPr lang="de-DE" dirty="0" err="1" smtClean="0"/>
-              <a:t>data</a:t>
-            </a:r>
-            <a:r>
-              <a:rPr lang="de-DE" dirty="0" smtClean="0"/>
-              <a:t> </a:t>
-            </a:r>
-            <a:r>
-              <a:rPr lang="de-DE" dirty="0" err="1" smtClean="0"/>
-              <a:t>types</a:t>
-            </a:r>
-            <a:r>
-              <a:rPr lang="de-DE" dirty="0" smtClean="0"/>
-              <a:t>, </a:t>
-            </a:r>
-            <a:r>
-              <a:rPr lang="de-DE" dirty="0" err="1" smtClean="0"/>
-              <a:t>new</a:t>
-            </a:r>
-            <a:r>
-              <a:rPr lang="de-DE" dirty="0" smtClean="0"/>
-              <a:t> </a:t>
-            </a:r>
-            <a:r>
-              <a:rPr lang="de-DE" dirty="0" err="1" smtClean="0"/>
-              <a:t>functions</a:t>
-            </a:r>
-            <a:r>
-              <a:rPr lang="de-DE" dirty="0" smtClean="0"/>
-              <a:t> on </a:t>
-            </a:r>
-            <a:r>
-              <a:rPr lang="de-DE" dirty="0" err="1" smtClean="0"/>
-              <a:t>geometry</a:t>
-            </a:r>
-            <a:endParaRPr lang="de-DE" dirty="0" smtClean="0"/>
-          </a:p>
-          <a:p>
-            <a:r>
-              <a:rPr lang="de-DE" dirty="0" smtClean="0"/>
-              <a:t>QGIS</a:t>
-            </a:r>
-          </a:p>
-          <a:p>
-            <a:pPr lvl="1"/>
-            <a:endParaRPr lang="de-DE" dirty="0" smtClean="0"/>
-          </a:p>
-          <a:p>
-            <a:r>
-              <a:rPr lang="de-DE" dirty="0" err="1" smtClean="0"/>
-              <a:t>TimeManager</a:t>
-            </a:r>
-            <a:r>
-              <a:rPr lang="de-DE" dirty="0" smtClean="0"/>
-              <a:t> </a:t>
-            </a:r>
-            <a:r>
-              <a:rPr lang="de-DE" dirty="0" err="1" smtClean="0"/>
-              <a:t>Plugin</a:t>
-            </a:r>
-            <a:r>
-              <a:rPr lang="de-DE" dirty="0" smtClean="0"/>
-              <a:t> </a:t>
-            </a:r>
-            <a:r>
-              <a:rPr lang="de-DE" dirty="0" err="1" smtClean="0"/>
-              <a:t>for</a:t>
-            </a:r>
-            <a:r>
-              <a:rPr lang="de-DE" dirty="0" smtClean="0"/>
-              <a:t> QGIS</a:t>
-            </a:r>
-          </a:p>
-          <a:p>
-            <a:pPr lvl="1"/>
-            <a:r>
-              <a:rPr lang="de-DE" dirty="0" smtClean="0"/>
-              <a:t>Limits </a:t>
-            </a:r>
-            <a:r>
-              <a:rPr lang="de-DE" dirty="0" err="1" smtClean="0"/>
-              <a:t>view</a:t>
-            </a:r>
-            <a:r>
-              <a:rPr lang="de-DE" dirty="0" smtClean="0"/>
-              <a:t> </a:t>
-            </a:r>
-            <a:r>
-              <a:rPr lang="de-DE" dirty="0" err="1" smtClean="0"/>
-              <a:t>to</a:t>
-            </a:r>
-            <a:r>
-              <a:rPr lang="de-DE" dirty="0" smtClean="0"/>
-              <a:t> </a:t>
-            </a:r>
-            <a:r>
-              <a:rPr lang="de-DE" dirty="0" err="1" smtClean="0"/>
-              <a:t>features</a:t>
-            </a:r>
-            <a:r>
-              <a:rPr lang="de-DE" dirty="0" smtClean="0"/>
-              <a:t> </a:t>
-            </a:r>
-            <a:r>
-              <a:rPr lang="de-DE" dirty="0" err="1" smtClean="0"/>
-              <a:t>the</a:t>
-            </a:r>
-            <a:r>
-              <a:rPr lang="de-DE" dirty="0" smtClean="0"/>
-              <a:t> </a:t>
-            </a:r>
-            <a:r>
-              <a:rPr lang="de-DE" dirty="0" err="1" smtClean="0"/>
-              <a:t>timestamp</a:t>
-            </a:r>
-            <a:r>
-              <a:rPr lang="de-DE" dirty="0" smtClean="0"/>
-              <a:t> </a:t>
-            </a:r>
-            <a:r>
-              <a:rPr lang="de-DE" dirty="0" err="1" smtClean="0"/>
-              <a:t>of</a:t>
-            </a:r>
-            <a:r>
-              <a:rPr lang="de-DE" dirty="0" smtClean="0"/>
-              <a:t> </a:t>
-            </a:r>
-            <a:r>
-              <a:rPr lang="de-DE" dirty="0" err="1" smtClean="0"/>
-              <a:t>which</a:t>
-            </a:r>
-            <a:r>
-              <a:rPr lang="de-DE" dirty="0" smtClean="0"/>
-              <a:t> in </a:t>
-            </a:r>
-            <a:r>
-              <a:rPr lang="de-DE" dirty="0" err="1" smtClean="0"/>
-              <a:t>the</a:t>
-            </a:r>
-            <a:r>
-              <a:rPr lang="de-DE" dirty="0" smtClean="0"/>
-              <a:t> </a:t>
-            </a:r>
-            <a:r>
-              <a:rPr lang="de-DE" dirty="0" err="1" smtClean="0"/>
-              <a:t>attribute</a:t>
-            </a:r>
-            <a:r>
-              <a:rPr lang="de-DE" dirty="0" smtClean="0"/>
-              <a:t> </a:t>
-            </a:r>
-            <a:r>
-              <a:rPr lang="de-DE" dirty="0" err="1" smtClean="0"/>
-              <a:t>table</a:t>
-            </a:r>
-            <a:r>
-              <a:rPr lang="de-DE" dirty="0" smtClean="0"/>
-              <a:t> </a:t>
-            </a:r>
-            <a:r>
-              <a:rPr lang="de-DE" dirty="0" err="1" smtClean="0"/>
-              <a:t>match</a:t>
-            </a:r>
-            <a:r>
-              <a:rPr lang="de-DE" dirty="0" smtClean="0"/>
-              <a:t> a </a:t>
-            </a:r>
-            <a:r>
-              <a:rPr lang="de-DE" dirty="0" err="1" smtClean="0"/>
-              <a:t>user</a:t>
-            </a:r>
-            <a:r>
-              <a:rPr lang="de-DE" dirty="0" smtClean="0"/>
-              <a:t> </a:t>
-            </a:r>
-            <a:r>
-              <a:rPr lang="de-DE" dirty="0" err="1" smtClean="0"/>
-              <a:t>defined</a:t>
-            </a:r>
-            <a:r>
-              <a:rPr lang="de-DE" dirty="0" smtClean="0"/>
-              <a:t> </a:t>
-            </a:r>
-            <a:r>
-              <a:rPr lang="de-DE" dirty="0" err="1" smtClean="0"/>
-              <a:t>reference</a:t>
-            </a:r>
-            <a:r>
-              <a:rPr lang="de-DE" dirty="0" smtClean="0"/>
-              <a:t> time.</a:t>
-            </a:r>
-            <a:endParaRPr lang="en-US" dirty="0"/>
+              <a:t>QGIS </a:t>
+            </a:r>
+            <a:r>
+              <a:rPr lang="de-DE" dirty="0" smtClean="0"/>
+              <a:t>3.10 </a:t>
+            </a:r>
           </a:p>
         </p:txBody>
       </p:sp>
     </p:spTree>
     <p:extLst>
       <p:ext uri="{BB962C8B-B14F-4D97-AF65-F5344CB8AC3E}">
-        <p14:creationId xmlns:p14="http://schemas.microsoft.com/office/powerpoint/2010/main" val="3193641804"/>
+        <p14:creationId xmlns:p14="http://schemas.microsoft.com/office/powerpoint/2010/main" val="3842663067"/>
       </p:ext>
     </p:extLst>
   </p:cSld>
   <p:clrMapOvr>
     <a:masterClrMapping/>
   </p:clrMapOvr>
+  <p:timing>
+    <p:tnLst>
+      <p:par>
+        <p:cTn id="1" dur="indefinite" restart="never" nodeType="tmRoot"/>
+      </p:par>
+    </p:tnLst>
+  </p:timing>
 </p:sld>
 </file>
 
@@ -3417,11 +3398,7 @@
           <a:p>
             <a:r>
               <a:rPr lang="de-DE" dirty="0" err="1" smtClean="0"/>
-              <a:t>Steps</a:t>
-            </a:r>
-            <a:r>
-              <a:rPr lang="de-DE" dirty="0" smtClean="0"/>
-              <a:t> </a:t>
+              <a:t>Idea</a:t>
             </a:r>
             <a:endParaRPr lang="en-US" dirty="0"/>
           </a:p>
@@ -3444,7 +3421,15 @@
           <a:p>
             <a:r>
               <a:rPr lang="de-DE" dirty="0" smtClean="0"/>
-              <a:t>Create </a:t>
+              <a:t>Feed a </a:t>
+            </a:r>
+            <a:r>
+              <a:rPr lang="de-DE" dirty="0" err="1" smtClean="0"/>
+              <a:t>geospatial</a:t>
+            </a:r>
+            <a:r>
+              <a:rPr lang="de-DE" dirty="0" smtClean="0"/>
+              <a:t> </a:t>
             </a:r>
             <a:r>
               <a:rPr lang="de-DE" dirty="0" err="1" smtClean="0"/>
@@ -3456,120 +3441,381 @@
             </a:r>
             <a:r>
               <a:rPr lang="de-DE" dirty="0" err="1" smtClean="0"/>
-              <a:t>geo</a:t>
-            </a:r>
-            <a:endParaRPr lang="de-DE" dirty="0" smtClean="0"/>
-          </a:p>
-          <a:p>
-            <a:r>
-              <a:rPr lang="de-DE" dirty="0" smtClean="0"/>
-              <a:t>Create </a:t>
-            </a:r>
-            <a:r>
-              <a:rPr lang="de-DE" dirty="0" err="1" smtClean="0"/>
-              <a:t>extension</a:t>
-            </a:r>
-            <a:r>
-              <a:rPr lang="de-DE" dirty="0" smtClean="0"/>
-              <a:t> </a:t>
-            </a:r>
-            <a:r>
-              <a:rPr lang="de-DE" dirty="0" err="1" smtClean="0"/>
-              <a:t>postgis</a:t>
-            </a:r>
-            <a:endParaRPr lang="de-DE" dirty="0" smtClean="0"/>
-          </a:p>
-          <a:p>
-            <a:r>
-              <a:rPr lang="de-DE" dirty="0" smtClean="0"/>
-              <a:t>Create </a:t>
-            </a:r>
-            <a:r>
-              <a:rPr lang="de-DE" dirty="0" err="1" smtClean="0"/>
-              <a:t>user</a:t>
-            </a:r>
-            <a:r>
-              <a:rPr lang="de-DE" dirty="0" smtClean="0"/>
-              <a:t> </a:t>
-            </a:r>
-            <a:r>
-              <a:rPr lang="de-DE" dirty="0" err="1" smtClean="0"/>
-              <a:t>geo_master</a:t>
-            </a:r>
-            <a:endParaRPr lang="de-DE" dirty="0" smtClean="0"/>
-          </a:p>
-          <a:p>
-            <a:r>
-              <a:rPr lang="de-DE" dirty="0" smtClean="0"/>
-              <a:t>Create </a:t>
-            </a:r>
-            <a:r>
-              <a:rPr lang="de-DE" dirty="0" err="1" smtClean="0"/>
-              <a:t>schema</a:t>
-            </a:r>
-            <a:r>
-              <a:rPr lang="de-DE" dirty="0" smtClean="0"/>
-              <a:t> </a:t>
-            </a:r>
-            <a:r>
-              <a:rPr lang="de-DE" dirty="0" err="1" smtClean="0"/>
-              <a:t>dwd</a:t>
-            </a:r>
-            <a:endParaRPr lang="de-DE" dirty="0" smtClean="0"/>
-          </a:p>
-          <a:p>
-            <a:r>
-              <a:rPr lang="de-DE" dirty="0" smtClean="0"/>
-              <a:t>Create </a:t>
-            </a:r>
-            <a:r>
-              <a:rPr lang="de-DE" dirty="0" err="1" smtClean="0"/>
-              <a:t>table</a:t>
-            </a:r>
-            <a:r>
-              <a:rPr lang="de-DE" dirty="0" smtClean="0"/>
-              <a:t> </a:t>
-            </a:r>
-            <a:r>
-              <a:rPr lang="de-DE" dirty="0" err="1" smtClean="0"/>
-              <a:t>dwd.prec</a:t>
-            </a:r>
-            <a:r>
-              <a:rPr lang="de-DE" dirty="0" smtClean="0"/>
-              <a:t> (</a:t>
-            </a:r>
-            <a:r>
-              <a:rPr lang="de-DE" dirty="0" err="1" smtClean="0"/>
-              <a:t>hourly</a:t>
-            </a:r>
-            <a:r>
-              <a:rPr lang="de-DE" dirty="0" smtClean="0"/>
-              <a:t>, </a:t>
-            </a:r>
-            <a:r>
-              <a:rPr lang="de-DE" dirty="0" err="1" smtClean="0"/>
-              <a:t>recent</a:t>
-            </a:r>
-            <a:r>
-              <a:rPr lang="de-DE" dirty="0" smtClean="0"/>
-              <a:t>, NRW)</a:t>
-            </a:r>
-          </a:p>
-          <a:p>
-            <a:endParaRPr lang="de-DE" dirty="0" smtClean="0"/>
+              <a:t>with</a:t>
+            </a:r>
+            <a:r>
+              <a:rPr lang="de-DE" dirty="0" smtClean="0"/>
+              <a:t> </a:t>
+            </a:r>
+            <a:r>
+              <a:rPr lang="de-DE" dirty="0"/>
+              <a:t>DWD </a:t>
+            </a:r>
+            <a:r>
+              <a:rPr lang="de-DE" dirty="0" err="1"/>
+              <a:t>station</a:t>
+            </a:r>
+            <a:r>
+              <a:rPr lang="de-DE" dirty="0"/>
+              <a:t> </a:t>
+            </a:r>
+            <a:r>
+              <a:rPr lang="de-DE" dirty="0" err="1"/>
+              <a:t>information</a:t>
+            </a:r>
+            <a:r>
+              <a:rPr lang="de-DE" dirty="0"/>
+              <a:t> </a:t>
+            </a:r>
+            <a:r>
+              <a:rPr lang="de-DE" dirty="0" err="1"/>
+              <a:t>as</a:t>
+            </a:r>
+            <a:r>
+              <a:rPr lang="de-DE" dirty="0"/>
+              <a:t> </a:t>
+            </a:r>
+            <a:r>
+              <a:rPr lang="de-DE" dirty="0" err="1"/>
+              <a:t>well</a:t>
+            </a:r>
+            <a:r>
+              <a:rPr lang="de-DE" dirty="0"/>
+              <a:t> </a:t>
+            </a:r>
+            <a:r>
+              <a:rPr lang="de-DE" dirty="0" err="1"/>
+              <a:t>as</a:t>
+            </a:r>
+            <a:r>
+              <a:rPr lang="de-DE" dirty="0"/>
+              <a:t> time </a:t>
+            </a:r>
+            <a:r>
+              <a:rPr lang="de-DE" dirty="0" err="1"/>
+              <a:t>series</a:t>
+            </a:r>
+            <a:r>
+              <a:rPr lang="de-DE" dirty="0"/>
+              <a:t> </a:t>
+            </a:r>
+            <a:r>
+              <a:rPr lang="de-DE" dirty="0" err="1" smtClean="0"/>
+              <a:t>data</a:t>
+            </a:r>
+            <a:r>
+              <a:rPr lang="de-DE" dirty="0" smtClean="0"/>
+              <a:t>.</a:t>
+            </a:r>
+          </a:p>
+          <a:p>
+            <a:r>
+              <a:rPr lang="de-DE" dirty="0" err="1" smtClean="0"/>
+              <a:t>Join</a:t>
+            </a:r>
+            <a:r>
+              <a:rPr lang="de-DE" dirty="0" smtClean="0"/>
+              <a:t> </a:t>
+            </a:r>
+            <a:r>
+              <a:rPr lang="de-DE" dirty="0" err="1" smtClean="0"/>
+              <a:t>the</a:t>
+            </a:r>
+            <a:r>
+              <a:rPr lang="de-DE" dirty="0" smtClean="0"/>
+              <a:t> time </a:t>
+            </a:r>
+            <a:r>
+              <a:rPr lang="de-DE" dirty="0" err="1" smtClean="0"/>
+              <a:t>series</a:t>
+            </a:r>
+            <a:r>
+              <a:rPr lang="de-DE" dirty="0" smtClean="0"/>
+              <a:t> </a:t>
+            </a:r>
+            <a:r>
+              <a:rPr lang="de-DE" dirty="0" err="1" smtClean="0"/>
+              <a:t>data</a:t>
+            </a:r>
+            <a:r>
+              <a:rPr lang="de-DE" dirty="0" smtClean="0"/>
+              <a:t> </a:t>
+            </a:r>
+            <a:r>
+              <a:rPr lang="de-DE" dirty="0" err="1" smtClean="0"/>
+              <a:t>with</a:t>
+            </a:r>
+            <a:r>
+              <a:rPr lang="de-DE" dirty="0" smtClean="0"/>
+              <a:t> </a:t>
+            </a:r>
+            <a:r>
+              <a:rPr lang="de-DE" dirty="0" err="1" smtClean="0"/>
+              <a:t>the</a:t>
+            </a:r>
+            <a:r>
+              <a:rPr lang="de-DE" dirty="0" smtClean="0"/>
+              <a:t> </a:t>
+            </a:r>
+            <a:r>
+              <a:rPr lang="de-DE" dirty="0" err="1" smtClean="0"/>
+              <a:t>station</a:t>
+            </a:r>
+            <a:r>
+              <a:rPr lang="de-DE" dirty="0" smtClean="0"/>
+              <a:t> </a:t>
+            </a:r>
+            <a:r>
+              <a:rPr lang="de-DE" dirty="0" err="1" smtClean="0"/>
+              <a:t>location</a:t>
+            </a:r>
+            <a:r>
+              <a:rPr lang="de-DE" dirty="0" smtClean="0"/>
+              <a:t> </a:t>
+            </a:r>
+            <a:r>
+              <a:rPr lang="de-DE" dirty="0" err="1" smtClean="0"/>
+              <a:t>data</a:t>
+            </a:r>
+            <a:r>
+              <a:rPr lang="de-DE" dirty="0" smtClean="0"/>
+              <a:t> </a:t>
+            </a:r>
+            <a:r>
+              <a:rPr lang="de-DE" dirty="0" err="1" smtClean="0"/>
+              <a:t>inside</a:t>
+            </a:r>
+            <a:r>
+              <a:rPr lang="de-DE" dirty="0" smtClean="0"/>
+              <a:t> </a:t>
+            </a:r>
+            <a:r>
+              <a:rPr lang="de-DE" dirty="0" err="1" smtClean="0"/>
+              <a:t>the</a:t>
+            </a:r>
+            <a:r>
+              <a:rPr lang="de-DE" dirty="0" smtClean="0"/>
+              <a:t> </a:t>
+            </a:r>
+            <a:r>
+              <a:rPr lang="de-DE" dirty="0" err="1" smtClean="0"/>
+              <a:t>database</a:t>
+            </a:r>
+            <a:r>
+              <a:rPr lang="de-DE" dirty="0" smtClean="0"/>
+              <a:t> and </a:t>
+            </a:r>
+            <a:r>
+              <a:rPr lang="de-DE" dirty="0" err="1" smtClean="0"/>
+              <a:t>create</a:t>
+            </a:r>
+            <a:r>
+              <a:rPr lang="de-DE" dirty="0" smtClean="0"/>
+              <a:t> a </a:t>
+            </a:r>
+            <a:r>
+              <a:rPr lang="de-DE" dirty="0" err="1" smtClean="0"/>
+              <a:t>view</a:t>
+            </a:r>
+            <a:r>
+              <a:rPr lang="de-DE" dirty="0" smtClean="0"/>
+              <a:t> </a:t>
+            </a:r>
+            <a:r>
+              <a:rPr lang="de-DE" dirty="0" err="1" smtClean="0"/>
+              <a:t>from</a:t>
+            </a:r>
+            <a:r>
+              <a:rPr lang="de-DE" dirty="0" smtClean="0"/>
+              <a:t> it.</a:t>
+            </a:r>
+          </a:p>
+          <a:p>
+            <a:r>
+              <a:rPr lang="de-DE" dirty="0" err="1" smtClean="0"/>
+              <a:t>Use</a:t>
+            </a:r>
+            <a:r>
+              <a:rPr lang="de-DE" dirty="0" smtClean="0"/>
+              <a:t> </a:t>
+            </a:r>
+            <a:r>
+              <a:rPr lang="de-DE" dirty="0" err="1" smtClean="0"/>
+              <a:t>this</a:t>
+            </a:r>
+            <a:r>
+              <a:rPr lang="de-DE" dirty="0" smtClean="0"/>
+              <a:t> </a:t>
+            </a:r>
+            <a:r>
+              <a:rPr lang="de-DE" dirty="0" err="1" smtClean="0"/>
+              <a:t>view</a:t>
+            </a:r>
+            <a:r>
+              <a:rPr lang="de-DE" dirty="0" smtClean="0"/>
+              <a:t> in QGIS.</a:t>
+            </a:r>
+          </a:p>
+          <a:p>
+            <a:r>
+              <a:rPr lang="de-DE" dirty="0" smtClean="0"/>
+              <a:t>Create a </a:t>
+            </a:r>
+            <a:r>
+              <a:rPr lang="de-DE" dirty="0" err="1" smtClean="0"/>
+              <a:t>series</a:t>
+            </a:r>
+            <a:r>
+              <a:rPr lang="de-DE" dirty="0" smtClean="0"/>
+              <a:t> </a:t>
+            </a:r>
+            <a:r>
+              <a:rPr lang="de-DE" dirty="0" err="1" smtClean="0"/>
+              <a:t>of</a:t>
+            </a:r>
+            <a:r>
+              <a:rPr lang="de-DE" dirty="0" smtClean="0"/>
+              <a:t> time </a:t>
+            </a:r>
+            <a:r>
+              <a:rPr lang="de-DE" dirty="0" err="1" smtClean="0"/>
+              <a:t>dependent</a:t>
+            </a:r>
+            <a:r>
+              <a:rPr lang="de-DE" dirty="0" smtClean="0"/>
+              <a:t> </a:t>
+            </a:r>
+            <a:r>
+              <a:rPr lang="de-DE" dirty="0" err="1" smtClean="0"/>
+              <a:t>maps</a:t>
+            </a:r>
+            <a:r>
+              <a:rPr lang="de-DE" dirty="0" smtClean="0"/>
+              <a:t> in QGIS („</a:t>
+            </a:r>
+            <a:r>
+              <a:rPr lang="de-DE" dirty="0" err="1" smtClean="0"/>
+              <a:t>movie</a:t>
+            </a:r>
+            <a:r>
+              <a:rPr lang="de-DE" dirty="0" smtClean="0"/>
+              <a:t>“) </a:t>
+            </a:r>
+            <a:r>
+              <a:rPr lang="de-DE" dirty="0" err="1" smtClean="0"/>
+              <a:t>by</a:t>
+            </a:r>
+            <a:r>
+              <a:rPr lang="de-DE" dirty="0" smtClean="0"/>
+              <a:t> </a:t>
+            </a:r>
+            <a:r>
+              <a:rPr lang="de-DE" dirty="0" err="1" smtClean="0"/>
+              <a:t>means</a:t>
+            </a:r>
+            <a:r>
+              <a:rPr lang="de-DE" dirty="0" smtClean="0"/>
+              <a:t> </a:t>
+            </a:r>
+            <a:r>
+              <a:rPr lang="de-DE" dirty="0" err="1" smtClean="0"/>
+              <a:t>of</a:t>
+            </a:r>
+            <a:r>
+              <a:rPr lang="de-DE" dirty="0" smtClean="0"/>
+              <a:t> </a:t>
+            </a:r>
+            <a:r>
+              <a:rPr lang="de-DE" dirty="0" err="1" smtClean="0"/>
+              <a:t>the</a:t>
+            </a:r>
+            <a:r>
+              <a:rPr lang="de-DE" dirty="0" smtClean="0"/>
+              <a:t> </a:t>
+            </a:r>
+            <a:r>
+              <a:rPr lang="de-DE" dirty="0" err="1" smtClean="0"/>
+              <a:t>TimeManage</a:t>
+            </a:r>
+            <a:r>
+              <a:rPr lang="de-DE" dirty="0" smtClean="0"/>
+              <a:t> </a:t>
+            </a:r>
+            <a:r>
+              <a:rPr lang="de-DE" dirty="0" err="1" smtClean="0"/>
+              <a:t>plugin</a:t>
+            </a:r>
+            <a:r>
+              <a:rPr lang="de-DE" dirty="0" smtClean="0"/>
+              <a:t>.</a:t>
+            </a:r>
+          </a:p>
+          <a:p>
+            <a:r>
+              <a:rPr lang="de-DE" dirty="0" smtClean="0"/>
+              <a:t>This </a:t>
+            </a:r>
+            <a:r>
+              <a:rPr lang="de-DE" dirty="0" err="1" smtClean="0"/>
+              <a:t>approach</a:t>
+            </a:r>
+            <a:r>
+              <a:rPr lang="de-DE" dirty="0" smtClean="0"/>
+              <a:t> </a:t>
+            </a:r>
+            <a:r>
+              <a:rPr lang="de-DE" dirty="0" err="1" smtClean="0"/>
+              <a:t>combines</a:t>
+            </a:r>
+            <a:r>
+              <a:rPr lang="de-DE" dirty="0" smtClean="0"/>
+              <a:t> </a:t>
+            </a:r>
+            <a:r>
+              <a:rPr lang="de-DE" dirty="0" err="1" smtClean="0"/>
+              <a:t>spatial</a:t>
+            </a:r>
+            <a:r>
+              <a:rPr lang="de-DE" dirty="0" smtClean="0"/>
+              <a:t> </a:t>
+            </a:r>
+            <a:r>
+              <a:rPr lang="de-DE" dirty="0" err="1" smtClean="0"/>
+              <a:t>infomation</a:t>
+            </a:r>
+            <a:r>
+              <a:rPr lang="de-DE" dirty="0" smtClean="0"/>
+              <a:t> </a:t>
+            </a:r>
+            <a:r>
+              <a:rPr lang="de-DE" dirty="0" err="1" smtClean="0"/>
+              <a:t>with</a:t>
+            </a:r>
+            <a:r>
+              <a:rPr lang="de-DE" dirty="0" smtClean="0"/>
+              <a:t> time.</a:t>
+            </a:r>
+            <a:endParaRPr lang="en-US" dirty="0"/>
           </a:p>
         </p:txBody>
       </p:sp>
     </p:spTree>
     <p:extLst>
       <p:ext uri="{BB962C8B-B14F-4D97-AF65-F5344CB8AC3E}">
-        <p14:creationId xmlns:p14="http://schemas.microsoft.com/office/powerpoint/2010/main" val="488903266"/>
+        <p14:creationId xmlns:p14="http://schemas.microsoft.com/office/powerpoint/2010/main" val="63911579"/>
       </p:ext>
     </p:extLst>
   </p:cSld>
   <p:clrMapOvr>
     <a:masterClrMapping/>
   </p:clrMapOvr>
+  <p:timing>
+    <p:tnLst>
+      <p:par>
+        <p:cTn id="1" dur="indefinite" restart="never" nodeType="tmRoot"/>
+      </p:par>
+    </p:tnLst>
+  </p:timing>
 </p:sld>
 </file>
 
@@ -3607,6 +3853,1408 @@
           <a:p>
             <a:r>
               <a:rPr lang="de-DE" dirty="0" smtClean="0"/>
+              <a:t>Open Source Tools</a:t>
+            </a:r>
+            <a:endParaRPr lang="en-US" dirty="0"/>
+          </a:p>
+        </p:txBody>
+      </p:sp>
+      <p:sp>
+        <p:nvSpPr>
+          <p:cNvPr id="3" name="Inhaltsplatzhalter 2"/>
+          <p:cNvSpPr>
+            <a:spLocks noGrp="1"/>
+          </p:cNvSpPr>
+          <p:nvPr>
+            <p:ph idx="1"/>
+          </p:nvPr>
+        </p:nvSpPr>
+        <p:spPr>
+          <a:xfrm>
+            <a:off x="838200" y="1435884"/>
+            <a:ext cx="10515600" cy="4844995"/>
+          </a:xfrm>
+        </p:spPr>
+        <p:txBody>
+          <a:bodyPr>
+            <a:normAutofit/>
+          </a:bodyPr>
+          <a:lstStyle/>
+          <a:p>
+            <a:r>
+              <a:rPr lang="de-DE" dirty="0" err="1" smtClean="0"/>
+              <a:t>PostgreSQL</a:t>
+            </a:r>
+            <a:r>
+              <a:rPr lang="de-DE" dirty="0"/>
+              <a:t> </a:t>
+            </a:r>
+            <a:endParaRPr lang="de-DE" dirty="0" smtClean="0"/>
+          </a:p>
+          <a:p>
+            <a:pPr lvl="1"/>
+            <a:r>
+              <a:rPr lang="de-DE" dirty="0" err="1" smtClean="0"/>
+              <a:t>Object</a:t>
+            </a:r>
+            <a:r>
+              <a:rPr lang="de-DE" dirty="0" smtClean="0"/>
+              <a:t>-Relational DBMS</a:t>
+            </a:r>
+            <a:endParaRPr lang="de-DE" dirty="0" smtClean="0"/>
+          </a:p>
+          <a:p>
+            <a:r>
+              <a:rPr lang="de-DE" dirty="0" err="1" smtClean="0"/>
+              <a:t>PostGIS</a:t>
+            </a:r>
+            <a:r>
+              <a:rPr lang="de-DE" dirty="0" smtClean="0"/>
+              <a:t> </a:t>
+            </a:r>
+          </a:p>
+          <a:p>
+            <a:pPr lvl="1"/>
+            <a:r>
+              <a:rPr lang="de-DE" dirty="0" err="1" smtClean="0"/>
+              <a:t>Spatial</a:t>
+            </a:r>
+            <a:r>
+              <a:rPr lang="de-DE" dirty="0" smtClean="0"/>
+              <a:t> </a:t>
+            </a:r>
+            <a:r>
+              <a:rPr lang="de-DE" dirty="0" err="1" smtClean="0"/>
+              <a:t>extension</a:t>
+            </a:r>
+            <a:r>
+              <a:rPr lang="de-DE" dirty="0" smtClean="0"/>
+              <a:t> </a:t>
+            </a:r>
+            <a:r>
+              <a:rPr lang="de-DE" dirty="0" err="1" smtClean="0"/>
+              <a:t>for</a:t>
+            </a:r>
+            <a:r>
+              <a:rPr lang="de-DE" dirty="0" smtClean="0"/>
+              <a:t> </a:t>
+            </a:r>
+            <a:r>
+              <a:rPr lang="de-DE" dirty="0" err="1" smtClean="0"/>
+              <a:t>PostgreSQL</a:t>
+            </a:r>
+            <a:endParaRPr lang="de-DE" dirty="0" smtClean="0"/>
+          </a:p>
+          <a:p>
+            <a:pPr lvl="1"/>
+            <a:r>
+              <a:rPr lang="de-DE" dirty="0" err="1" smtClean="0"/>
+              <a:t>new</a:t>
+            </a:r>
+            <a:r>
+              <a:rPr lang="de-DE" dirty="0" smtClean="0"/>
+              <a:t> </a:t>
+            </a:r>
+            <a:r>
+              <a:rPr lang="de-DE" dirty="0" err="1" smtClean="0"/>
+              <a:t>geometric</a:t>
+            </a:r>
+            <a:r>
+              <a:rPr lang="de-DE" dirty="0" smtClean="0"/>
+              <a:t> </a:t>
+            </a:r>
+            <a:r>
+              <a:rPr lang="de-DE" dirty="0" err="1" smtClean="0"/>
+              <a:t>data</a:t>
+            </a:r>
+            <a:r>
+              <a:rPr lang="de-DE" dirty="0" smtClean="0"/>
+              <a:t> </a:t>
+            </a:r>
+            <a:r>
+              <a:rPr lang="de-DE" dirty="0" err="1" smtClean="0"/>
+              <a:t>types</a:t>
+            </a:r>
+            <a:r>
+              <a:rPr lang="de-DE" dirty="0" smtClean="0"/>
+              <a:t>, </a:t>
+            </a:r>
+            <a:r>
+              <a:rPr lang="de-DE" dirty="0" err="1" smtClean="0"/>
+              <a:t>new</a:t>
+            </a:r>
+            <a:r>
+              <a:rPr lang="de-DE" dirty="0" smtClean="0"/>
+              <a:t> </a:t>
+            </a:r>
+            <a:r>
+              <a:rPr lang="de-DE" dirty="0" err="1" smtClean="0"/>
+              <a:t>functions</a:t>
+            </a:r>
+            <a:r>
+              <a:rPr lang="de-DE" dirty="0" smtClean="0"/>
+              <a:t> on </a:t>
+            </a:r>
+            <a:r>
+              <a:rPr lang="de-DE" dirty="0" err="1" smtClean="0"/>
+              <a:t>geometry</a:t>
+            </a:r>
+            <a:endParaRPr lang="de-DE" dirty="0" smtClean="0"/>
+          </a:p>
+          <a:p>
+            <a:r>
+              <a:rPr lang="de-DE" dirty="0" smtClean="0"/>
+              <a:t>QGIS</a:t>
+            </a:r>
+          </a:p>
+          <a:p>
+            <a:pPr lvl="1"/>
+            <a:r>
+              <a:rPr lang="de-DE" dirty="0" smtClean="0"/>
+              <a:t>Can </a:t>
+            </a:r>
+            <a:r>
+              <a:rPr lang="de-DE" dirty="0" err="1" smtClean="0"/>
+              <a:t>use</a:t>
+            </a:r>
+            <a:r>
+              <a:rPr lang="de-DE" dirty="0" smtClean="0"/>
+              <a:t> a live </a:t>
+            </a:r>
+            <a:r>
+              <a:rPr lang="de-DE" dirty="0" err="1" smtClean="0"/>
+              <a:t>data</a:t>
+            </a:r>
+            <a:r>
+              <a:rPr lang="de-DE" dirty="0" smtClean="0"/>
+              <a:t> </a:t>
+            </a:r>
+            <a:r>
+              <a:rPr lang="de-DE" dirty="0" err="1" smtClean="0"/>
+              <a:t>connection</a:t>
+            </a:r>
+            <a:r>
+              <a:rPr lang="de-DE" dirty="0" smtClean="0"/>
+              <a:t> </a:t>
+            </a:r>
+            <a:r>
+              <a:rPr lang="de-DE" dirty="0" err="1" smtClean="0"/>
+              <a:t>with</a:t>
+            </a:r>
+            <a:r>
+              <a:rPr lang="de-DE" dirty="0" smtClean="0"/>
+              <a:t> </a:t>
+            </a:r>
+            <a:r>
+              <a:rPr lang="de-DE" dirty="0" err="1" smtClean="0"/>
+              <a:t>layers</a:t>
+            </a:r>
+            <a:r>
+              <a:rPr lang="de-DE" dirty="0" smtClean="0"/>
+              <a:t> </a:t>
+            </a:r>
+            <a:r>
+              <a:rPr lang="de-DE" dirty="0" err="1" smtClean="0"/>
+              <a:t>stored</a:t>
+            </a:r>
+            <a:r>
+              <a:rPr lang="de-DE" dirty="0" smtClean="0"/>
+              <a:t> in </a:t>
+            </a:r>
+            <a:r>
+              <a:rPr lang="de-DE" dirty="0" err="1" smtClean="0"/>
+              <a:t>PostGIS</a:t>
+            </a:r>
+            <a:r>
+              <a:rPr lang="de-DE" dirty="0" smtClean="0"/>
+              <a:t> </a:t>
+            </a:r>
+            <a:endParaRPr lang="de-DE" dirty="0" smtClean="0"/>
+          </a:p>
+          <a:p>
+            <a:r>
+              <a:rPr lang="de-DE" dirty="0" err="1" smtClean="0"/>
+              <a:t>TimeManager</a:t>
+            </a:r>
+            <a:r>
+              <a:rPr lang="de-DE" dirty="0" smtClean="0"/>
+              <a:t> </a:t>
+            </a:r>
+            <a:r>
+              <a:rPr lang="de-DE" dirty="0" err="1" smtClean="0"/>
+              <a:t>Plugin</a:t>
+            </a:r>
+            <a:r>
+              <a:rPr lang="de-DE" dirty="0" smtClean="0"/>
+              <a:t> </a:t>
+            </a:r>
+            <a:r>
+              <a:rPr lang="de-DE" dirty="0" err="1" smtClean="0"/>
+              <a:t>for</a:t>
+            </a:r>
+            <a:r>
+              <a:rPr lang="de-DE" dirty="0" smtClean="0"/>
+              <a:t> QGIS</a:t>
+            </a:r>
+          </a:p>
+          <a:p>
+            <a:pPr lvl="1"/>
+            <a:r>
+              <a:rPr lang="de-DE" dirty="0" err="1" smtClean="0"/>
+              <a:t>Selects</a:t>
+            </a:r>
+            <a:r>
+              <a:rPr lang="de-DE" dirty="0" smtClean="0"/>
+              <a:t> </a:t>
+            </a:r>
+            <a:r>
+              <a:rPr lang="de-DE" dirty="0" err="1" smtClean="0"/>
+              <a:t>features</a:t>
+            </a:r>
+            <a:r>
+              <a:rPr lang="de-DE" dirty="0" smtClean="0"/>
+              <a:t> </a:t>
+            </a:r>
+            <a:r>
+              <a:rPr lang="de-DE" dirty="0" err="1" smtClean="0"/>
+              <a:t>from</a:t>
+            </a:r>
+            <a:r>
+              <a:rPr lang="de-DE" dirty="0" smtClean="0"/>
+              <a:t> </a:t>
+            </a:r>
+            <a:r>
+              <a:rPr lang="de-DE" dirty="0" err="1" smtClean="0"/>
+              <a:t>attribute</a:t>
+            </a:r>
+            <a:r>
+              <a:rPr lang="de-DE" dirty="0" smtClean="0"/>
+              <a:t> </a:t>
+            </a:r>
+            <a:r>
+              <a:rPr lang="de-DE" dirty="0" err="1" smtClean="0"/>
+              <a:t>table</a:t>
+            </a:r>
+            <a:r>
+              <a:rPr lang="de-DE" dirty="0" smtClean="0"/>
+              <a:t> </a:t>
+            </a:r>
+            <a:r>
+              <a:rPr lang="de-DE" dirty="0" err="1" smtClean="0"/>
+              <a:t>where</a:t>
+            </a:r>
+            <a:r>
+              <a:rPr lang="de-DE" dirty="0" smtClean="0"/>
+              <a:t> time </a:t>
+            </a:r>
+            <a:r>
+              <a:rPr lang="de-DE" dirty="0" err="1" smtClean="0"/>
+              <a:t>matches</a:t>
+            </a:r>
+            <a:r>
+              <a:rPr lang="de-DE" dirty="0" smtClean="0"/>
+              <a:t> a </a:t>
+            </a:r>
+            <a:r>
+              <a:rPr lang="de-DE" dirty="0" err="1" smtClean="0"/>
+              <a:t>ref</a:t>
+            </a:r>
+            <a:r>
+              <a:rPr lang="de-DE" dirty="0" smtClean="0"/>
+              <a:t>.</a:t>
+            </a:r>
+          </a:p>
+          <a:p>
+            <a:r>
+              <a:rPr lang="de-DE" dirty="0" smtClean="0"/>
+              <a:t>Python/Pandas/Geopandas/</a:t>
+            </a:r>
+            <a:r>
+              <a:rPr lang="de-DE" dirty="0" err="1" smtClean="0"/>
+              <a:t>SQLAlchemy</a:t>
+            </a:r>
+            <a:endParaRPr lang="en-US" dirty="0"/>
+          </a:p>
+        </p:txBody>
+      </p:sp>
+    </p:spTree>
+    <p:extLst>
+      <p:ext uri="{BB962C8B-B14F-4D97-AF65-F5344CB8AC3E}">
+        <p14:creationId xmlns:p14="http://schemas.microsoft.com/office/powerpoint/2010/main" val="3193641804"/>
+      </p:ext>
+    </p:extLst>
+  </p:cSld>
+  <p:clrMapOvr>
+    <a:masterClrMapping/>
+  </p:clrMapOvr>
+  <mc:AlternateContent xmlns:mc="http://schemas.openxmlformats.org/markup-compatibility/2006">
+    <mc:Choice xmlns:p14="http://schemas.microsoft.com/office/powerpoint/2010/main" Requires="p14">
+      <p:transition spd="slow" p14:dur="2000"/>
+    </mc:Choice>
+    <mc:Fallback>
+      <p:transition spd="slow"/>
+    </mc:Fallback>
+  </mc:AlternateContent>
+  <p:timing>
+    <p:tnLst>
+      <p:par>
+        <p:cTn id="1" dur="indefinite" restart="never" nodeType="tmRoot"/>
+      </p:par>
+    </p:tnLst>
+  </p:timing>
+</p:sld>
+</file>
+
+<file path=ppt/slides/slide5.xml><?xml version="1.0" encoding="utf-8"?>
+<p:sld xmlns:a="http://schemas.openxmlformats.org/drawingml/2006/main" xmlns:r="http://schemas.openxmlformats.org/officeDocument/2006/relationships" xmlns:p="http://schemas.openxmlformats.org/presentationml/2006/main">
+  <p:cSld>
+    <p:spTree>
+      <p:nvGrpSpPr>
+        <p:cNvPr id="1" name=""/>
+        <p:cNvGrpSpPr/>
+        <p:nvPr/>
+      </p:nvGrpSpPr>
+      <p:grpSpPr>
+        <a:xfrm>
+          <a:off x="0" y="0"/>
+          <a:ext cx="0" cy="0"/>
+          <a:chOff x="0" y="0"/>
+          <a:chExt cx="0" cy="0"/>
+        </a:xfrm>
+      </p:grpSpPr>
+      <p:sp>
+        <p:nvSpPr>
+          <p:cNvPr id="2" name="Titel 1"/>
+          <p:cNvSpPr>
+            <a:spLocks noGrp="1"/>
+          </p:cNvSpPr>
+          <p:nvPr>
+            <p:ph type="title"/>
+          </p:nvPr>
+        </p:nvSpPr>
+        <p:spPr/>
+        <p:txBody>
+          <a:bodyPr/>
+          <a:lstStyle/>
+          <a:p>
+            <a:r>
+              <a:rPr lang="de-DE" dirty="0" smtClean="0"/>
+              <a:t>DWD Data in </a:t>
+            </a:r>
+            <a:r>
+              <a:rPr lang="de-DE" dirty="0" err="1" smtClean="0"/>
+              <a:t>PostGIS</a:t>
+            </a:r>
+            <a:r>
+              <a:rPr lang="de-DE" dirty="0"/>
+              <a:t>/</a:t>
+            </a:r>
+            <a:r>
+              <a:rPr lang="de-DE" dirty="0" smtClean="0"/>
+              <a:t>QGIS – Outline </a:t>
+            </a:r>
+            <a:endParaRPr lang="en-US" dirty="0"/>
+          </a:p>
+        </p:txBody>
+      </p:sp>
+      <p:sp>
+        <p:nvSpPr>
+          <p:cNvPr id="3" name="Inhaltsplatzhalter 2"/>
+          <p:cNvSpPr>
+            <a:spLocks noGrp="1"/>
+          </p:cNvSpPr>
+          <p:nvPr>
+            <p:ph idx="1"/>
+          </p:nvPr>
+        </p:nvSpPr>
+        <p:spPr>
+          <a:xfrm>
+            <a:off x="838200" y="1690688"/>
+            <a:ext cx="10100734" cy="4486275"/>
+          </a:xfrm>
+        </p:spPr>
+        <p:txBody>
+          <a:bodyPr>
+            <a:noAutofit/>
+          </a:bodyPr>
+          <a:lstStyle/>
+          <a:p>
+            <a:r>
+              <a:rPr lang="de-DE" dirty="0" err="1" smtClean="0"/>
+              <a:t>Example</a:t>
+            </a:r>
+            <a:r>
+              <a:rPr lang="de-DE" dirty="0" smtClean="0"/>
+              <a:t>: </a:t>
+            </a:r>
+            <a:r>
+              <a:rPr lang="de-DE" dirty="0" err="1" smtClean="0"/>
+              <a:t>recent</a:t>
+            </a:r>
+            <a:r>
+              <a:rPr lang="de-DE" dirty="0" smtClean="0"/>
+              <a:t> </a:t>
+            </a:r>
+            <a:r>
+              <a:rPr lang="de-DE" dirty="0" err="1" smtClean="0"/>
+              <a:t>hourly</a:t>
+            </a:r>
+            <a:r>
+              <a:rPr lang="de-DE" dirty="0" smtClean="0"/>
+              <a:t> DWD </a:t>
+            </a:r>
+            <a:r>
+              <a:rPr lang="de-DE" dirty="0" err="1" smtClean="0"/>
+              <a:t>precipitation</a:t>
+            </a:r>
+            <a:r>
+              <a:rPr lang="de-DE" dirty="0" smtClean="0"/>
+              <a:t> time </a:t>
+            </a:r>
+            <a:r>
+              <a:rPr lang="de-DE" dirty="0" err="1" smtClean="0"/>
+              <a:t>series</a:t>
+            </a:r>
+            <a:r>
+              <a:rPr lang="de-DE" dirty="0" smtClean="0"/>
+              <a:t> (TS) </a:t>
+            </a:r>
+            <a:br>
+              <a:rPr lang="de-DE" dirty="0" smtClean="0"/>
+            </a:br>
+            <a:r>
+              <a:rPr lang="de-DE" dirty="0" smtClean="0"/>
+              <a:t>at </a:t>
+            </a:r>
+            <a:r>
+              <a:rPr lang="de-DE" dirty="0" err="1" smtClean="0"/>
+              <a:t>active</a:t>
+            </a:r>
+            <a:r>
+              <a:rPr lang="de-DE" dirty="0" smtClean="0"/>
+              <a:t> </a:t>
+            </a:r>
+            <a:r>
+              <a:rPr lang="de-DE" dirty="0" err="1" smtClean="0"/>
+              <a:t>stations</a:t>
+            </a:r>
+            <a:r>
+              <a:rPr lang="de-DE" dirty="0" smtClean="0"/>
+              <a:t> in NRW. The DWD open </a:t>
+            </a:r>
+            <a:r>
+              <a:rPr lang="de-DE" dirty="0" err="1" smtClean="0"/>
+              <a:t>data</a:t>
+            </a:r>
+            <a:r>
+              <a:rPr lang="de-DE" dirty="0" smtClean="0"/>
+              <a:t> </a:t>
+            </a:r>
+            <a:r>
+              <a:rPr lang="de-DE" dirty="0" err="1" smtClean="0"/>
+              <a:t>source</a:t>
+            </a:r>
+            <a:r>
+              <a:rPr lang="de-DE" dirty="0"/>
+              <a:t>:</a:t>
+            </a:r>
+            <a:br>
+              <a:rPr lang="de-DE" dirty="0"/>
+            </a:br>
+            <a:r>
+              <a:rPr lang="de-DE" dirty="0">
+                <a:hlinkClick r:id="rId2"/>
+              </a:rPr>
+              <a:t>https://opendata.dwd.de/climate_environment/CDC/observations_germany/climate/hourly/precipitation/recent</a:t>
+            </a:r>
+            <a:r>
+              <a:rPr lang="de-DE" dirty="0" smtClean="0">
+                <a:hlinkClick r:id="rId2"/>
+              </a:rPr>
+              <a:t>/</a:t>
+            </a:r>
+            <a:r>
+              <a:rPr lang="de-DE" dirty="0" smtClean="0"/>
+              <a:t>  </a:t>
+            </a:r>
+          </a:p>
+          <a:p>
+            <a:endParaRPr lang="de-DE" dirty="0"/>
+          </a:p>
+          <a:p>
+            <a:pPr marL="514350" indent="-514350">
+              <a:buFont typeface="+mj-lt"/>
+              <a:buAutoNum type="arabicPeriod"/>
+            </a:pPr>
+            <a:r>
+              <a:rPr lang="de-DE" dirty="0" smtClean="0"/>
+              <a:t>Create </a:t>
+            </a:r>
+            <a:r>
+              <a:rPr lang="de-DE" dirty="0" err="1" smtClean="0"/>
+              <a:t>the</a:t>
+            </a:r>
+            <a:r>
+              <a:rPr lang="de-DE" dirty="0" smtClean="0"/>
+              <a:t> </a:t>
+            </a:r>
+            <a:r>
+              <a:rPr lang="de-DE" dirty="0" err="1" smtClean="0"/>
+              <a:t>PostGIS</a:t>
+            </a:r>
+            <a:r>
+              <a:rPr lang="de-DE" dirty="0" smtClean="0"/>
+              <a:t> </a:t>
+            </a:r>
+            <a:r>
+              <a:rPr lang="de-DE" dirty="0" err="1" smtClean="0"/>
+              <a:t>database</a:t>
+            </a:r>
+            <a:r>
+              <a:rPr lang="de-DE" dirty="0" smtClean="0"/>
+              <a:t> „</a:t>
+            </a:r>
+            <a:r>
+              <a:rPr lang="de-DE" dirty="0" err="1" smtClean="0"/>
+              <a:t>geo</a:t>
+            </a:r>
+            <a:r>
+              <a:rPr lang="de-DE" dirty="0" smtClean="0"/>
+              <a:t>“ </a:t>
+            </a:r>
+            <a:r>
+              <a:rPr lang="de-DE" dirty="0" err="1" smtClean="0"/>
+              <a:t>with</a:t>
+            </a:r>
+            <a:r>
+              <a:rPr lang="de-DE" dirty="0" smtClean="0"/>
+              <a:t> </a:t>
+            </a:r>
+            <a:r>
+              <a:rPr lang="de-DE" dirty="0" err="1" smtClean="0"/>
+              <a:t>owner</a:t>
+            </a:r>
+            <a:r>
+              <a:rPr lang="de-DE" dirty="0" smtClean="0"/>
+              <a:t> „</a:t>
+            </a:r>
+            <a:r>
+              <a:rPr lang="de-DE" dirty="0" err="1" smtClean="0"/>
+              <a:t>geo_master</a:t>
+            </a:r>
+            <a:r>
+              <a:rPr lang="de-DE" dirty="0" smtClean="0"/>
+              <a:t>“.</a:t>
+            </a:r>
+          </a:p>
+          <a:p>
+            <a:pPr marL="514350" indent="-514350">
+              <a:buFont typeface="+mj-lt"/>
+              <a:buAutoNum type="arabicPeriod"/>
+            </a:pPr>
+            <a:r>
+              <a:rPr lang="de-DE" dirty="0" smtClean="0"/>
+              <a:t>Insert </a:t>
+            </a:r>
+            <a:r>
+              <a:rPr lang="de-DE" dirty="0" err="1" smtClean="0"/>
+              <a:t>the</a:t>
+            </a:r>
+            <a:r>
+              <a:rPr lang="de-DE" dirty="0" smtClean="0"/>
+              <a:t> DWD </a:t>
+            </a:r>
+            <a:r>
+              <a:rPr lang="de-DE" dirty="0" err="1" smtClean="0"/>
+              <a:t>station</a:t>
+            </a:r>
+            <a:r>
+              <a:rPr lang="de-DE" dirty="0" smtClean="0"/>
+              <a:t> </a:t>
+            </a:r>
+            <a:r>
+              <a:rPr lang="de-DE" dirty="0" err="1" smtClean="0"/>
+              <a:t>info</a:t>
+            </a:r>
+            <a:r>
+              <a:rPr lang="de-DE" dirty="0" smtClean="0"/>
+              <a:t> via Geopandas </a:t>
+            </a:r>
+            <a:r>
+              <a:rPr lang="de-DE" dirty="0" err="1" smtClean="0"/>
+              <a:t>into</a:t>
+            </a:r>
+            <a:r>
+              <a:rPr lang="de-DE" dirty="0" smtClean="0"/>
+              <a:t> </a:t>
+            </a:r>
+            <a:r>
+              <a:rPr lang="de-DE" dirty="0" err="1" smtClean="0"/>
+              <a:t>the</a:t>
+            </a:r>
+            <a:r>
+              <a:rPr lang="de-DE" dirty="0" smtClean="0"/>
+              <a:t> </a:t>
+            </a:r>
+            <a:r>
+              <a:rPr lang="de-DE" dirty="0" err="1" smtClean="0"/>
+              <a:t>database</a:t>
+            </a:r>
+            <a:r>
+              <a:rPr lang="de-DE" dirty="0" smtClean="0"/>
+              <a:t>.</a:t>
+            </a:r>
+            <a:endParaRPr lang="de-DE" dirty="0"/>
+          </a:p>
+          <a:p>
+            <a:pPr marL="514350" indent="-514350">
+              <a:buFont typeface="+mj-lt"/>
+              <a:buAutoNum type="arabicPeriod"/>
+            </a:pPr>
+            <a:r>
+              <a:rPr lang="de-DE" dirty="0" smtClean="0"/>
+              <a:t>Insert </a:t>
+            </a:r>
+            <a:r>
+              <a:rPr lang="de-DE" dirty="0" err="1" smtClean="0"/>
+              <a:t>the</a:t>
+            </a:r>
+            <a:r>
+              <a:rPr lang="de-DE" dirty="0" smtClean="0"/>
+              <a:t> DWD time </a:t>
+            </a:r>
+            <a:r>
+              <a:rPr lang="de-DE" dirty="0" err="1" smtClean="0"/>
+              <a:t>series</a:t>
+            </a:r>
+            <a:r>
+              <a:rPr lang="de-DE" dirty="0" smtClean="0"/>
+              <a:t> via Pandas </a:t>
+            </a:r>
+            <a:r>
+              <a:rPr lang="de-DE" dirty="0" err="1" smtClean="0"/>
+              <a:t>into</a:t>
+            </a:r>
+            <a:r>
+              <a:rPr lang="de-DE" dirty="0" smtClean="0"/>
+              <a:t> </a:t>
+            </a:r>
+            <a:r>
+              <a:rPr lang="de-DE" dirty="0" err="1" smtClean="0"/>
+              <a:t>the</a:t>
+            </a:r>
+            <a:r>
+              <a:rPr lang="de-DE" dirty="0" smtClean="0"/>
+              <a:t> </a:t>
+            </a:r>
+            <a:r>
+              <a:rPr lang="de-DE" dirty="0" err="1" smtClean="0"/>
+              <a:t>database</a:t>
+            </a:r>
+            <a:r>
+              <a:rPr lang="de-DE" dirty="0" smtClean="0"/>
+              <a:t>.</a:t>
+            </a:r>
+            <a:endParaRPr lang="de-DE" dirty="0"/>
+          </a:p>
+          <a:p>
+            <a:pPr marL="514350" indent="-514350">
+              <a:buFont typeface="+mj-lt"/>
+              <a:buAutoNum type="arabicPeriod"/>
+            </a:pPr>
+            <a:r>
+              <a:rPr lang="de-DE" dirty="0" smtClean="0"/>
+              <a:t>Create a </a:t>
+            </a:r>
+            <a:r>
+              <a:rPr lang="de-DE" dirty="0" err="1" smtClean="0"/>
+              <a:t>view</a:t>
+            </a:r>
+            <a:r>
+              <a:rPr lang="de-DE" dirty="0" smtClean="0"/>
+              <a:t> </a:t>
+            </a:r>
+            <a:r>
+              <a:rPr lang="de-DE" dirty="0" err="1" smtClean="0"/>
+              <a:t>to</a:t>
+            </a:r>
+            <a:r>
+              <a:rPr lang="de-DE" dirty="0" smtClean="0"/>
+              <a:t> </a:t>
+            </a:r>
+            <a:r>
+              <a:rPr lang="de-DE" dirty="0" err="1" smtClean="0"/>
+              <a:t>join</a:t>
+            </a:r>
+            <a:r>
+              <a:rPr lang="de-DE" dirty="0" smtClean="0"/>
+              <a:t> </a:t>
+            </a:r>
+            <a:r>
+              <a:rPr lang="de-DE" dirty="0" err="1" smtClean="0"/>
+              <a:t>station</a:t>
+            </a:r>
+            <a:r>
+              <a:rPr lang="de-DE" dirty="0" smtClean="0"/>
+              <a:t> </a:t>
+            </a:r>
+            <a:r>
+              <a:rPr lang="de-DE" dirty="0" err="1" smtClean="0"/>
+              <a:t>info</a:t>
+            </a:r>
+            <a:r>
+              <a:rPr lang="de-DE" dirty="0" smtClean="0"/>
+              <a:t> (</a:t>
+            </a:r>
+            <a:r>
+              <a:rPr lang="de-DE" dirty="0" err="1" smtClean="0"/>
+              <a:t>with</a:t>
+            </a:r>
+            <a:r>
+              <a:rPr lang="de-DE" dirty="0" smtClean="0"/>
+              <a:t> </a:t>
+            </a:r>
+            <a:r>
+              <a:rPr lang="de-DE" dirty="0" err="1" smtClean="0"/>
+              <a:t>location</a:t>
+            </a:r>
+            <a:r>
+              <a:rPr lang="de-DE" dirty="0" smtClean="0"/>
+              <a:t>) and TS.</a:t>
+            </a:r>
+          </a:p>
+          <a:p>
+            <a:pPr marL="514350" indent="-514350">
+              <a:buFont typeface="+mj-lt"/>
+              <a:buAutoNum type="arabicPeriod"/>
+            </a:pPr>
+            <a:r>
+              <a:rPr lang="de-DE" dirty="0" err="1" smtClean="0"/>
+              <a:t>Use</a:t>
+            </a:r>
+            <a:r>
+              <a:rPr lang="de-DE" dirty="0" smtClean="0"/>
+              <a:t> </a:t>
+            </a:r>
+            <a:r>
+              <a:rPr lang="de-DE" dirty="0" err="1" smtClean="0"/>
+              <a:t>this</a:t>
+            </a:r>
+            <a:r>
+              <a:rPr lang="de-DE" dirty="0" smtClean="0"/>
+              <a:t> </a:t>
+            </a:r>
+            <a:r>
+              <a:rPr lang="de-DE" dirty="0" err="1" smtClean="0"/>
+              <a:t>view</a:t>
+            </a:r>
+            <a:r>
+              <a:rPr lang="de-DE" dirty="0" smtClean="0"/>
+              <a:t> in QGIS </a:t>
+            </a:r>
+            <a:r>
+              <a:rPr lang="de-DE" dirty="0" err="1" smtClean="0"/>
+              <a:t>to</a:t>
+            </a:r>
+            <a:r>
+              <a:rPr lang="de-DE" dirty="0" smtClean="0"/>
+              <a:t> </a:t>
+            </a:r>
+            <a:r>
+              <a:rPr lang="de-DE" dirty="0" err="1" smtClean="0"/>
+              <a:t>feed</a:t>
+            </a:r>
+            <a:r>
+              <a:rPr lang="de-DE" dirty="0" smtClean="0"/>
+              <a:t> </a:t>
+            </a:r>
+            <a:r>
+              <a:rPr lang="de-DE" dirty="0" err="1" smtClean="0"/>
+              <a:t>the</a:t>
+            </a:r>
+            <a:r>
+              <a:rPr lang="de-DE" dirty="0" smtClean="0"/>
+              <a:t> </a:t>
+            </a:r>
+            <a:r>
+              <a:rPr lang="de-DE" dirty="0" err="1" smtClean="0"/>
+              <a:t>TimeManager</a:t>
+            </a:r>
+            <a:r>
+              <a:rPr lang="de-DE" dirty="0" smtClean="0"/>
+              <a:t>.</a:t>
+            </a:r>
+          </a:p>
+        </p:txBody>
+      </p:sp>
+    </p:spTree>
+    <p:extLst>
+      <p:ext uri="{BB962C8B-B14F-4D97-AF65-F5344CB8AC3E}">
+        <p14:creationId xmlns:p14="http://schemas.microsoft.com/office/powerpoint/2010/main" val="822805979"/>
+      </p:ext>
+    </p:extLst>
+  </p:cSld>
+  <p:clrMapOvr>
+    <a:masterClrMapping/>
+  </p:clrMapOvr>
+  <p:timing>
+    <p:tnLst>
+      <p:par>
+        <p:cTn id="1" dur="indefinite" restart="never" nodeType="tmRoot"/>
+      </p:par>
+    </p:tnLst>
+  </p:timing>
+</p:sld>
+</file>
+
+<file path=ppt/slides/slide6.xml><?xml version="1.0" encoding="utf-8"?>
+<p:sld xmlns:a="http://schemas.openxmlformats.org/drawingml/2006/main" xmlns:r="http://schemas.openxmlformats.org/officeDocument/2006/relationships" xmlns:p="http://schemas.openxmlformats.org/presentationml/2006/main">
+  <p:cSld>
+    <p:spTree>
+      <p:nvGrpSpPr>
+        <p:cNvPr id="1" name=""/>
+        <p:cNvGrpSpPr/>
+        <p:nvPr/>
+      </p:nvGrpSpPr>
+      <p:grpSpPr>
+        <a:xfrm>
+          <a:off x="0" y="0"/>
+          <a:ext cx="0" cy="0"/>
+          <a:chOff x="0" y="0"/>
+          <a:chExt cx="0" cy="0"/>
+        </a:xfrm>
+      </p:grpSpPr>
+      <p:sp>
+        <p:nvSpPr>
+          <p:cNvPr id="2" name="Titel 1"/>
+          <p:cNvSpPr>
+            <a:spLocks noGrp="1"/>
+          </p:cNvSpPr>
+          <p:nvPr>
+            <p:ph type="title"/>
+          </p:nvPr>
+        </p:nvSpPr>
+        <p:spPr/>
+        <p:txBody>
+          <a:bodyPr/>
+          <a:lstStyle/>
+          <a:p>
+            <a:r>
+              <a:rPr lang="de-DE" dirty="0" err="1" smtClean="0"/>
+              <a:t>Steps</a:t>
+            </a:r>
+            <a:r>
+              <a:rPr lang="de-DE" dirty="0" smtClean="0"/>
+              <a:t> in </a:t>
+            </a:r>
+            <a:r>
+              <a:rPr lang="de-DE" dirty="0"/>
+              <a:t>M</a:t>
+            </a:r>
+            <a:r>
+              <a:rPr lang="de-DE" dirty="0" smtClean="0"/>
+              <a:t>ore </a:t>
+            </a:r>
+            <a:r>
+              <a:rPr lang="de-DE" dirty="0"/>
+              <a:t>D</a:t>
+            </a:r>
+            <a:r>
+              <a:rPr lang="de-DE" dirty="0" smtClean="0"/>
+              <a:t>etail </a:t>
+            </a:r>
+            <a:endParaRPr lang="en-US" dirty="0"/>
+          </a:p>
+        </p:txBody>
+      </p:sp>
+      <p:sp>
+        <p:nvSpPr>
+          <p:cNvPr id="3" name="Inhaltsplatzhalter 2"/>
+          <p:cNvSpPr>
+            <a:spLocks noGrp="1"/>
+          </p:cNvSpPr>
+          <p:nvPr>
+            <p:ph idx="1"/>
+          </p:nvPr>
+        </p:nvSpPr>
+        <p:spPr>
+          <a:xfrm>
+            <a:off x="838200" y="1667937"/>
+            <a:ext cx="10515600" cy="4720696"/>
+          </a:xfrm>
+        </p:spPr>
+        <p:txBody>
+          <a:bodyPr>
+            <a:normAutofit fontScale="85000" lnSpcReduction="20000"/>
+          </a:bodyPr>
+          <a:lstStyle/>
+          <a:p>
+            <a:pPr marL="0" indent="0">
+              <a:buNone/>
+            </a:pPr>
+            <a:r>
+              <a:rPr lang="de-DE" dirty="0" smtClean="0"/>
+              <a:t>As </a:t>
+            </a:r>
+            <a:r>
+              <a:rPr lang="de-DE" dirty="0" err="1" smtClean="0"/>
+              <a:t>user</a:t>
+            </a:r>
+            <a:r>
+              <a:rPr lang="de-DE" dirty="0" smtClean="0"/>
+              <a:t> </a:t>
+            </a:r>
+            <a:r>
+              <a:rPr lang="de-DE" dirty="0" err="1" smtClean="0"/>
+              <a:t>postgres</a:t>
+            </a:r>
+            <a:r>
+              <a:rPr lang="de-DE" dirty="0" smtClean="0"/>
+              <a:t> in DB </a:t>
+            </a:r>
+            <a:r>
+              <a:rPr lang="de-DE" dirty="0" err="1" smtClean="0"/>
+              <a:t>postgres</a:t>
+            </a:r>
+            <a:r>
+              <a:rPr lang="de-DE" dirty="0" smtClean="0"/>
+              <a:t>:</a:t>
+            </a:r>
+          </a:p>
+          <a:p>
+            <a:r>
+              <a:rPr lang="de-DE" dirty="0" smtClean="0"/>
+              <a:t>Create </a:t>
+            </a:r>
+            <a:r>
+              <a:rPr lang="de-DE" dirty="0" err="1"/>
+              <a:t>user</a:t>
+            </a:r>
+            <a:r>
+              <a:rPr lang="de-DE" dirty="0"/>
+              <a:t> </a:t>
+            </a:r>
+            <a:r>
+              <a:rPr lang="de-DE" dirty="0" err="1"/>
+              <a:t>geo_master</a:t>
+            </a:r>
+            <a:endParaRPr lang="de-DE" dirty="0"/>
+          </a:p>
+          <a:p>
+            <a:r>
+              <a:rPr lang="de-DE" dirty="0" smtClean="0"/>
+              <a:t>Create </a:t>
+            </a:r>
+            <a:r>
+              <a:rPr lang="de-DE" dirty="0" err="1"/>
+              <a:t>database</a:t>
+            </a:r>
+            <a:r>
+              <a:rPr lang="de-DE" dirty="0"/>
+              <a:t> </a:t>
+            </a:r>
+            <a:r>
+              <a:rPr lang="de-DE" dirty="0" err="1" smtClean="0"/>
+              <a:t>geo</a:t>
+            </a:r>
+            <a:r>
+              <a:rPr lang="de-DE" dirty="0" smtClean="0"/>
+              <a:t> and </a:t>
+            </a:r>
+            <a:r>
+              <a:rPr lang="de-DE" dirty="0" err="1" smtClean="0"/>
+              <a:t>make</a:t>
+            </a:r>
+            <a:r>
+              <a:rPr lang="de-DE" dirty="0" smtClean="0"/>
+              <a:t> </a:t>
+            </a:r>
+            <a:r>
+              <a:rPr lang="de-DE" dirty="0" err="1" smtClean="0"/>
+              <a:t>geo_master</a:t>
+            </a:r>
+            <a:r>
+              <a:rPr lang="de-DE" dirty="0" smtClean="0"/>
+              <a:t> </a:t>
+            </a:r>
+            <a:r>
+              <a:rPr lang="de-DE" dirty="0" err="1" smtClean="0"/>
+              <a:t>the</a:t>
+            </a:r>
+            <a:r>
+              <a:rPr lang="de-DE" dirty="0" smtClean="0"/>
+              <a:t> </a:t>
+            </a:r>
+            <a:r>
+              <a:rPr lang="de-DE" dirty="0" err="1" smtClean="0"/>
+              <a:t>owner</a:t>
+            </a:r>
+            <a:endParaRPr lang="de-DE" dirty="0"/>
+          </a:p>
+          <a:p>
+            <a:r>
+              <a:rPr lang="de-DE" dirty="0"/>
+              <a:t>Create </a:t>
+            </a:r>
+            <a:r>
+              <a:rPr lang="de-DE" dirty="0" err="1"/>
+              <a:t>extension</a:t>
+            </a:r>
+            <a:r>
+              <a:rPr lang="de-DE" dirty="0"/>
+              <a:t> </a:t>
+            </a:r>
+            <a:r>
+              <a:rPr lang="de-DE" dirty="0" err="1" smtClean="0"/>
+              <a:t>postgis</a:t>
+            </a:r>
+            <a:r>
+              <a:rPr lang="de-DE" dirty="0" smtClean="0"/>
+              <a:t/>
+            </a:r>
+            <a:br>
+              <a:rPr lang="de-DE" dirty="0" smtClean="0"/>
+            </a:br>
+            <a:endParaRPr lang="de-DE" dirty="0" smtClean="0"/>
+          </a:p>
+          <a:p>
+            <a:pPr marL="0" indent="0">
+              <a:buNone/>
+            </a:pPr>
+            <a:r>
+              <a:rPr lang="de-DE" dirty="0" smtClean="0"/>
+              <a:t>As </a:t>
+            </a:r>
+            <a:r>
+              <a:rPr lang="de-DE" dirty="0" err="1" smtClean="0"/>
+              <a:t>user</a:t>
+            </a:r>
+            <a:r>
+              <a:rPr lang="de-DE" dirty="0" smtClean="0"/>
+              <a:t> </a:t>
+            </a:r>
+            <a:r>
+              <a:rPr lang="de-DE" dirty="0" err="1" smtClean="0"/>
+              <a:t>postgres</a:t>
+            </a:r>
+            <a:r>
+              <a:rPr lang="de-DE" dirty="0" smtClean="0"/>
+              <a:t> in DB </a:t>
+            </a:r>
+            <a:r>
+              <a:rPr lang="de-DE" dirty="0" err="1" smtClean="0"/>
+              <a:t>geo</a:t>
+            </a:r>
+            <a:r>
+              <a:rPr lang="de-DE" dirty="0" smtClean="0"/>
+              <a:t>:</a:t>
+            </a:r>
+            <a:endParaRPr lang="de-DE" dirty="0"/>
+          </a:p>
+          <a:p>
+            <a:r>
+              <a:rPr lang="de-DE" dirty="0" smtClean="0"/>
+              <a:t>Create </a:t>
+            </a:r>
+            <a:r>
+              <a:rPr lang="de-DE" dirty="0" err="1" smtClean="0"/>
+              <a:t>schema</a:t>
+            </a:r>
+            <a:r>
+              <a:rPr lang="de-DE" dirty="0" smtClean="0"/>
+              <a:t> </a:t>
+            </a:r>
+            <a:r>
+              <a:rPr lang="de-DE" dirty="0" err="1" smtClean="0"/>
+              <a:t>dwd</a:t>
+            </a:r>
+            <a:r>
+              <a:rPr lang="de-DE" dirty="0" smtClean="0"/>
+              <a:t> and </a:t>
+            </a:r>
+            <a:r>
+              <a:rPr lang="de-DE" dirty="0" err="1" smtClean="0"/>
+              <a:t>make</a:t>
+            </a:r>
+            <a:r>
+              <a:rPr lang="de-DE" dirty="0" smtClean="0"/>
+              <a:t> </a:t>
+            </a:r>
+            <a:r>
+              <a:rPr lang="de-DE" dirty="0" err="1" smtClean="0"/>
+              <a:t>geo_master</a:t>
+            </a:r>
+            <a:r>
+              <a:rPr lang="de-DE" dirty="0" smtClean="0"/>
+              <a:t> </a:t>
+            </a:r>
+            <a:r>
+              <a:rPr lang="de-DE" dirty="0" err="1" smtClean="0"/>
+              <a:t>the</a:t>
+            </a:r>
+            <a:r>
+              <a:rPr lang="de-DE" dirty="0" smtClean="0"/>
+              <a:t> </a:t>
+            </a:r>
+            <a:r>
+              <a:rPr lang="de-DE" dirty="0" err="1" smtClean="0"/>
+              <a:t>owner</a:t>
+            </a:r>
+            <a:r>
+              <a:rPr lang="de-DE" dirty="0" smtClean="0"/>
+              <a:t/>
+            </a:r>
+            <a:br>
+              <a:rPr lang="de-DE" dirty="0" smtClean="0"/>
+            </a:br>
+            <a:endParaRPr lang="de-DE" dirty="0" smtClean="0"/>
+          </a:p>
+          <a:p>
+            <a:pPr marL="0" indent="0">
+              <a:buNone/>
+            </a:pPr>
+            <a:r>
+              <a:rPr lang="de-DE" dirty="0" smtClean="0"/>
+              <a:t>As </a:t>
+            </a:r>
+            <a:r>
+              <a:rPr lang="de-DE" dirty="0" err="1" smtClean="0"/>
+              <a:t>user</a:t>
+            </a:r>
+            <a:r>
+              <a:rPr lang="de-DE" dirty="0" smtClean="0"/>
+              <a:t> </a:t>
+            </a:r>
+            <a:r>
+              <a:rPr lang="de-DE" dirty="0" err="1" smtClean="0"/>
+              <a:t>geo_master</a:t>
+            </a:r>
+            <a:r>
+              <a:rPr lang="de-DE" dirty="0" smtClean="0"/>
+              <a:t> in DB </a:t>
+            </a:r>
+            <a:r>
+              <a:rPr lang="de-DE" dirty="0" err="1" smtClean="0"/>
+              <a:t>geo</a:t>
+            </a:r>
+            <a:r>
+              <a:rPr lang="de-DE" dirty="0" smtClean="0"/>
+              <a:t>:</a:t>
+            </a:r>
+          </a:p>
+          <a:p>
+            <a:r>
+              <a:rPr lang="de-DE" dirty="0" err="1" smtClean="0"/>
+              <a:t>Use</a:t>
+            </a:r>
+            <a:r>
+              <a:rPr lang="de-DE" dirty="0" smtClean="0"/>
+              <a:t> </a:t>
+            </a:r>
+            <a:r>
+              <a:rPr lang="de-DE" dirty="0" err="1" smtClean="0"/>
+              <a:t>schema</a:t>
+            </a:r>
+            <a:r>
+              <a:rPr lang="de-DE" dirty="0" smtClean="0"/>
+              <a:t> </a:t>
+            </a:r>
+            <a:r>
+              <a:rPr lang="de-DE" dirty="0" err="1" smtClean="0"/>
+              <a:t>dwd</a:t>
+            </a:r>
+            <a:r>
+              <a:rPr lang="de-DE" dirty="0" smtClean="0"/>
+              <a:t> </a:t>
+            </a:r>
+            <a:r>
+              <a:rPr lang="de-DE" dirty="0" err="1" smtClean="0"/>
+              <a:t>to</a:t>
+            </a:r>
+            <a:r>
+              <a:rPr lang="de-DE" dirty="0" smtClean="0"/>
+              <a:t> </a:t>
+            </a:r>
+            <a:r>
+              <a:rPr lang="de-DE" dirty="0" err="1" smtClean="0"/>
+              <a:t>create</a:t>
+            </a:r>
+            <a:r>
+              <a:rPr lang="de-DE" dirty="0" smtClean="0"/>
+              <a:t> </a:t>
+            </a:r>
+            <a:r>
+              <a:rPr lang="de-DE" dirty="0" err="1" smtClean="0"/>
+              <a:t>tables</a:t>
+            </a:r>
+            <a:r>
+              <a:rPr lang="de-DE" dirty="0" smtClean="0"/>
+              <a:t> and </a:t>
+            </a:r>
+            <a:r>
+              <a:rPr lang="de-DE" dirty="0" err="1" smtClean="0"/>
+              <a:t>views</a:t>
+            </a:r>
+            <a:r>
+              <a:rPr lang="de-DE" dirty="0" smtClean="0"/>
+              <a:t> </a:t>
+            </a:r>
+            <a:r>
+              <a:rPr lang="de-DE" dirty="0" err="1" smtClean="0"/>
+              <a:t>with</a:t>
+            </a:r>
+            <a:r>
+              <a:rPr lang="de-DE" dirty="0" smtClean="0"/>
+              <a:t> DWD </a:t>
+            </a:r>
+            <a:r>
+              <a:rPr lang="de-DE" dirty="0" err="1" smtClean="0"/>
+              <a:t>data</a:t>
+            </a:r>
+            <a:endParaRPr lang="de-DE" dirty="0" smtClean="0"/>
+          </a:p>
+          <a:p>
+            <a:r>
+              <a:rPr lang="de-DE" dirty="0" err="1" smtClean="0"/>
+              <a:t>Use</a:t>
+            </a:r>
+            <a:r>
+              <a:rPr lang="de-DE" dirty="0" smtClean="0"/>
+              <a:t> Python/Geopandas </a:t>
+            </a:r>
+            <a:r>
+              <a:rPr lang="de-DE" dirty="0" err="1" smtClean="0"/>
+              <a:t>to</a:t>
+            </a:r>
+            <a:r>
+              <a:rPr lang="de-DE" dirty="0" smtClean="0"/>
+              <a:t> </a:t>
+            </a:r>
+            <a:r>
+              <a:rPr lang="de-DE" dirty="0" err="1" smtClean="0"/>
+              <a:t>upload</a:t>
+            </a:r>
+            <a:r>
+              <a:rPr lang="de-DE" dirty="0" smtClean="0"/>
+              <a:t> </a:t>
+            </a:r>
+            <a:r>
+              <a:rPr lang="de-DE" dirty="0" err="1" smtClean="0"/>
+              <a:t>the</a:t>
+            </a:r>
+            <a:r>
+              <a:rPr lang="de-DE" dirty="0" smtClean="0"/>
+              <a:t> DWD </a:t>
+            </a:r>
+            <a:r>
+              <a:rPr lang="de-DE" dirty="0" err="1" smtClean="0"/>
+              <a:t>station</a:t>
+            </a:r>
+            <a:r>
+              <a:rPr lang="de-DE" dirty="0" smtClean="0"/>
+              <a:t> </a:t>
+            </a:r>
+            <a:r>
+              <a:rPr lang="de-DE" dirty="0" err="1" smtClean="0"/>
+              <a:t>info</a:t>
+            </a:r>
+            <a:endParaRPr lang="de-DE" dirty="0" smtClean="0"/>
+          </a:p>
+          <a:p>
+            <a:r>
+              <a:rPr lang="de-DE" dirty="0" err="1" smtClean="0"/>
+              <a:t>Use</a:t>
+            </a:r>
+            <a:r>
+              <a:rPr lang="de-DE" dirty="0" smtClean="0"/>
+              <a:t> Python/Pandas </a:t>
+            </a:r>
+            <a:r>
+              <a:rPr lang="de-DE" dirty="0" err="1" smtClean="0"/>
+              <a:t>to</a:t>
+            </a:r>
+            <a:r>
+              <a:rPr lang="de-DE" dirty="0" smtClean="0"/>
+              <a:t> </a:t>
+            </a:r>
+            <a:r>
+              <a:rPr lang="de-DE" dirty="0" err="1" smtClean="0"/>
+              <a:t>upload</a:t>
+            </a:r>
+            <a:r>
+              <a:rPr lang="de-DE" dirty="0" smtClean="0"/>
+              <a:t> </a:t>
+            </a:r>
+            <a:r>
+              <a:rPr lang="de-DE" dirty="0" err="1" smtClean="0"/>
+              <a:t>the</a:t>
+            </a:r>
+            <a:r>
+              <a:rPr lang="de-DE" dirty="0" smtClean="0"/>
+              <a:t> time </a:t>
+            </a:r>
+            <a:r>
+              <a:rPr lang="de-DE" dirty="0" err="1" smtClean="0"/>
+              <a:t>series</a:t>
+            </a:r>
+            <a:endParaRPr lang="de-DE" dirty="0" smtClean="0"/>
+          </a:p>
+        </p:txBody>
+      </p:sp>
+    </p:spTree>
+    <p:extLst>
+      <p:ext uri="{BB962C8B-B14F-4D97-AF65-F5344CB8AC3E}">
+        <p14:creationId xmlns:p14="http://schemas.microsoft.com/office/powerpoint/2010/main" val="488903266"/>
+      </p:ext>
+    </p:extLst>
+  </p:cSld>
+  <p:clrMapOvr>
+    <a:masterClrMapping/>
+  </p:clrMapOvr>
+  <p:timing>
+    <p:tnLst>
+      <p:par>
+        <p:cTn id="1" dur="indefinite" restart="never" nodeType="tmRoot"/>
+      </p:par>
+    </p:tnLst>
+  </p:timing>
+</p:sld>
+</file>
+
+<file path=ppt/slides/slide7.xml><?xml version="1.0" encoding="utf-8"?>
+<p:sld xmlns:a="http://schemas.openxmlformats.org/drawingml/2006/main" xmlns:r="http://schemas.openxmlformats.org/officeDocument/2006/relationships" xmlns:p="http://schemas.openxmlformats.org/presentationml/2006/main" show="0">
+  <p:cSld>
+    <p:spTree>
+      <p:nvGrpSpPr>
+        <p:cNvPr id="1" name=""/>
+        <p:cNvGrpSpPr/>
+        <p:nvPr/>
+      </p:nvGrpSpPr>
+      <p:grpSpPr>
+        <a:xfrm>
+          <a:off x="0" y="0"/>
+          <a:ext cx="0" cy="0"/>
+          <a:chOff x="0" y="0"/>
+          <a:chExt cx="0" cy="0"/>
+        </a:xfrm>
+      </p:grpSpPr>
+      <p:sp>
+        <p:nvSpPr>
+          <p:cNvPr id="2" name="Titel 1"/>
+          <p:cNvSpPr>
+            <a:spLocks noGrp="1"/>
+          </p:cNvSpPr>
+          <p:nvPr>
+            <p:ph type="title"/>
+          </p:nvPr>
+        </p:nvSpPr>
+        <p:spPr/>
+        <p:txBody>
+          <a:bodyPr/>
+          <a:lstStyle/>
+          <a:p>
+            <a:r>
+              <a:rPr lang="de-DE" dirty="0" smtClean="0"/>
               <a:t>DWD CDC Open Data</a:t>
             </a:r>
             <a:endParaRPr lang="en-US" dirty="0"/>
@@ -3669,6 +5317,21 @@
   <p:clrMapOvr>
     <a:masterClrMapping/>
   </p:clrMapOvr>
+  <mc:AlternateContent xmlns:mc="http://schemas.openxmlformats.org/markup-compatibility/2006" xmlns:p14="http://schemas.microsoft.com/office/powerpoint/2010/main">
+    <mc:Choice Requires="p14">
+      <p:transition spd="slow" p14:dur="2000"/>
+    </mc:Choice>
+    <mc:Fallback xmlns="">
+      <p:transition spd="slow"/>
+    </mc:Fallback>
+  </mc:AlternateContent>
+  <p:timing>
+    <p:tnLst>
+      <p:par>
+        <p:cTn id="1" dur="indefinite" restart="never" nodeType="tmRoot"/>
+      </p:par>
+    </p:tnLst>
+  </p:timing>
 </p:sld>
 </file>
 
